--- a/[KB국민은행]_AI부문_전문직무직원_윤여훈.pptx
+++ b/[KB국민은행]_AI부문_전문직무직원_윤여훈.pptx
@@ -17,8 +17,9 @@
     <p:sldId id="265" r:id="rId11"/>
     <p:sldId id="264" r:id="rId12"/>
     <p:sldId id="260" r:id="rId13"/>
-    <p:sldId id="267" r:id="rId14"/>
-    <p:sldId id="269" r:id="rId15"/>
+    <p:sldId id="270" r:id="rId14"/>
+    <p:sldId id="267" r:id="rId15"/>
+    <p:sldId id="269" r:id="rId16"/>
   </p:sldIdLst>
   <p:sldSz cx="12192000" cy="6858000"/>
   <p:notesSz cx="6858000" cy="9144000"/>
@@ -167,10 +168,9 @@
           </a:lstStyle>
           <a:p>
             <a:r>
-              <a:rPr lang="ko-KR" altLang="en-US" smtClean="0"/>
+              <a:rPr lang="ko-KR" altLang="en-US"/>
               <a:t>마스터 제목 스타일 편집</a:t>
             </a:r>
-            <a:endParaRPr lang="ko-KR" altLang="en-US"/>
           </a:p>
         </p:txBody>
       </p:sp>
@@ -232,10 +232,9 @@
           </a:lstStyle>
           <a:p>
             <a:r>
-              <a:rPr lang="ko-KR" altLang="en-US" smtClean="0"/>
+              <a:rPr lang="ko-KR" altLang="en-US"/>
               <a:t>클릭하여 마스터 부제목 스타일 편집</a:t>
             </a:r>
-            <a:endParaRPr lang="ko-KR" altLang="en-US"/>
           </a:p>
         </p:txBody>
       </p:sp>
@@ -256,7 +255,7 @@
           <a:p>
             <a:fld id="{435E424A-B170-40E8-9D37-0454DC79A1EB}" type="datetimeFigureOut">
               <a:rPr lang="ko-KR" altLang="en-US" smtClean="0"/>
-              <a:t>2022-06-05</a:t>
+              <a:t>2022-06-06</a:t>
             </a:fld>
             <a:endParaRPr lang="ko-KR" altLang="en-US"/>
           </a:p>
@@ -350,10 +349,9 @@
           <a:lstStyle/>
           <a:p>
             <a:r>
-              <a:rPr lang="ko-KR" altLang="en-US" smtClean="0"/>
+              <a:rPr lang="ko-KR" altLang="en-US"/>
               <a:t>마스터 제목 스타일 편집</a:t>
             </a:r>
-            <a:endParaRPr lang="ko-KR" altLang="en-US"/>
           </a:p>
         </p:txBody>
       </p:sp>
@@ -374,38 +372,37 @@
           <a:p>
             <a:pPr lvl="0"/>
             <a:r>
-              <a:rPr lang="ko-KR" altLang="en-US" smtClean="0"/>
+              <a:rPr lang="ko-KR" altLang="en-US"/>
               <a:t>마스터 텍스트 스타일 편집</a:t>
             </a:r>
           </a:p>
           <a:p>
             <a:pPr lvl="1"/>
             <a:r>
-              <a:rPr lang="ko-KR" altLang="en-US" smtClean="0"/>
+              <a:rPr lang="ko-KR" altLang="en-US"/>
               <a:t>둘째 수준</a:t>
             </a:r>
           </a:p>
           <a:p>
             <a:pPr lvl="2"/>
             <a:r>
-              <a:rPr lang="ko-KR" altLang="en-US" smtClean="0"/>
+              <a:rPr lang="ko-KR" altLang="en-US"/>
               <a:t>셋째 수준</a:t>
             </a:r>
           </a:p>
           <a:p>
             <a:pPr lvl="3"/>
             <a:r>
-              <a:rPr lang="ko-KR" altLang="en-US" smtClean="0"/>
+              <a:rPr lang="ko-KR" altLang="en-US"/>
               <a:t>넷째 수준</a:t>
             </a:r>
           </a:p>
           <a:p>
             <a:pPr lvl="4"/>
             <a:r>
-              <a:rPr lang="ko-KR" altLang="en-US" smtClean="0"/>
+              <a:rPr lang="ko-KR" altLang="en-US"/>
               <a:t>다섯째 수준</a:t>
             </a:r>
-            <a:endParaRPr lang="ko-KR" altLang="en-US"/>
           </a:p>
         </p:txBody>
       </p:sp>
@@ -426,7 +423,7 @@
           <a:p>
             <a:fld id="{435E424A-B170-40E8-9D37-0454DC79A1EB}" type="datetimeFigureOut">
               <a:rPr lang="ko-KR" altLang="en-US" smtClean="0"/>
-              <a:t>2022-06-05</a:t>
+              <a:t>2022-06-06</a:t>
             </a:fld>
             <a:endParaRPr lang="ko-KR" altLang="en-US"/>
           </a:p>
@@ -525,10 +522,9 @@
           <a:lstStyle/>
           <a:p>
             <a:r>
-              <a:rPr lang="ko-KR" altLang="en-US" smtClean="0"/>
+              <a:rPr lang="ko-KR" altLang="en-US"/>
               <a:t>마스터 제목 스타일 편집</a:t>
             </a:r>
-            <a:endParaRPr lang="ko-KR" altLang="en-US"/>
           </a:p>
         </p:txBody>
       </p:sp>
@@ -554,38 +550,37 @@
           <a:p>
             <a:pPr lvl="0"/>
             <a:r>
-              <a:rPr lang="ko-KR" altLang="en-US" smtClean="0"/>
+              <a:rPr lang="ko-KR" altLang="en-US"/>
               <a:t>마스터 텍스트 스타일 편집</a:t>
             </a:r>
           </a:p>
           <a:p>
             <a:pPr lvl="1"/>
             <a:r>
-              <a:rPr lang="ko-KR" altLang="en-US" smtClean="0"/>
+              <a:rPr lang="ko-KR" altLang="en-US"/>
               <a:t>둘째 수준</a:t>
             </a:r>
           </a:p>
           <a:p>
             <a:pPr lvl="2"/>
             <a:r>
-              <a:rPr lang="ko-KR" altLang="en-US" smtClean="0"/>
+              <a:rPr lang="ko-KR" altLang="en-US"/>
               <a:t>셋째 수준</a:t>
             </a:r>
           </a:p>
           <a:p>
             <a:pPr lvl="3"/>
             <a:r>
-              <a:rPr lang="ko-KR" altLang="en-US" smtClean="0"/>
+              <a:rPr lang="ko-KR" altLang="en-US"/>
               <a:t>넷째 수준</a:t>
             </a:r>
           </a:p>
           <a:p>
             <a:pPr lvl="4"/>
             <a:r>
-              <a:rPr lang="ko-KR" altLang="en-US" smtClean="0"/>
+              <a:rPr lang="ko-KR" altLang="en-US"/>
               <a:t>다섯째 수준</a:t>
             </a:r>
-            <a:endParaRPr lang="ko-KR" altLang="en-US"/>
           </a:p>
         </p:txBody>
       </p:sp>
@@ -606,7 +601,7 @@
           <a:p>
             <a:fld id="{435E424A-B170-40E8-9D37-0454DC79A1EB}" type="datetimeFigureOut">
               <a:rPr lang="ko-KR" altLang="en-US" smtClean="0"/>
-              <a:t>2022-06-05</a:t>
+              <a:t>2022-06-06</a:t>
             </a:fld>
             <a:endParaRPr lang="ko-KR" altLang="en-US"/>
           </a:p>
@@ -700,10 +695,9 @@
           <a:lstStyle/>
           <a:p>
             <a:r>
-              <a:rPr lang="ko-KR" altLang="en-US" smtClean="0"/>
+              <a:rPr lang="ko-KR" altLang="en-US"/>
               <a:t>마스터 제목 스타일 편집</a:t>
             </a:r>
-            <a:endParaRPr lang="ko-KR" altLang="en-US"/>
           </a:p>
         </p:txBody>
       </p:sp>
@@ -724,38 +718,37 @@
           <a:p>
             <a:pPr lvl="0"/>
             <a:r>
-              <a:rPr lang="ko-KR" altLang="en-US" smtClean="0"/>
+              <a:rPr lang="ko-KR" altLang="en-US"/>
               <a:t>마스터 텍스트 스타일 편집</a:t>
             </a:r>
           </a:p>
           <a:p>
             <a:pPr lvl="1"/>
             <a:r>
-              <a:rPr lang="ko-KR" altLang="en-US" smtClean="0"/>
+              <a:rPr lang="ko-KR" altLang="en-US"/>
               <a:t>둘째 수준</a:t>
             </a:r>
           </a:p>
           <a:p>
             <a:pPr lvl="2"/>
             <a:r>
-              <a:rPr lang="ko-KR" altLang="en-US" smtClean="0"/>
+              <a:rPr lang="ko-KR" altLang="en-US"/>
               <a:t>셋째 수준</a:t>
             </a:r>
           </a:p>
           <a:p>
             <a:pPr lvl="3"/>
             <a:r>
-              <a:rPr lang="ko-KR" altLang="en-US" smtClean="0"/>
+              <a:rPr lang="ko-KR" altLang="en-US"/>
               <a:t>넷째 수준</a:t>
             </a:r>
           </a:p>
           <a:p>
             <a:pPr lvl="4"/>
             <a:r>
-              <a:rPr lang="ko-KR" altLang="en-US" smtClean="0"/>
+              <a:rPr lang="ko-KR" altLang="en-US"/>
               <a:t>다섯째 수준</a:t>
             </a:r>
-            <a:endParaRPr lang="ko-KR" altLang="en-US"/>
           </a:p>
         </p:txBody>
       </p:sp>
@@ -776,7 +769,7 @@
           <a:p>
             <a:fld id="{435E424A-B170-40E8-9D37-0454DC79A1EB}" type="datetimeFigureOut">
               <a:rPr lang="ko-KR" altLang="en-US" smtClean="0"/>
-              <a:t>2022-06-05</a:t>
+              <a:t>2022-06-06</a:t>
             </a:fld>
             <a:endParaRPr lang="ko-KR" altLang="en-US"/>
           </a:p>
@@ -879,10 +872,9 @@
           </a:lstStyle>
           <a:p>
             <a:r>
-              <a:rPr lang="ko-KR" altLang="en-US" smtClean="0"/>
+              <a:rPr lang="ko-KR" altLang="en-US"/>
               <a:t>마스터 제목 스타일 편집</a:t>
             </a:r>
-            <a:endParaRPr lang="ko-KR" altLang="en-US"/>
           </a:p>
         </p:txBody>
       </p:sp>
@@ -999,7 +991,7 @@
           <a:p>
             <a:pPr lvl="0"/>
             <a:r>
-              <a:rPr lang="ko-KR" altLang="en-US" smtClean="0"/>
+              <a:rPr lang="ko-KR" altLang="en-US"/>
               <a:t>마스터 텍스트 스타일 편집</a:t>
             </a:r>
           </a:p>
@@ -1022,7 +1014,7 @@
           <a:p>
             <a:fld id="{435E424A-B170-40E8-9D37-0454DC79A1EB}" type="datetimeFigureOut">
               <a:rPr lang="ko-KR" altLang="en-US" smtClean="0"/>
-              <a:t>2022-06-05</a:t>
+              <a:t>2022-06-06</a:t>
             </a:fld>
             <a:endParaRPr lang="ko-KR" altLang="en-US"/>
           </a:p>
@@ -1116,10 +1108,9 @@
           <a:lstStyle/>
           <a:p>
             <a:r>
-              <a:rPr lang="ko-KR" altLang="en-US" smtClean="0"/>
+              <a:rPr lang="ko-KR" altLang="en-US"/>
               <a:t>마스터 제목 스타일 편집</a:t>
             </a:r>
-            <a:endParaRPr lang="ko-KR" altLang="en-US"/>
           </a:p>
         </p:txBody>
       </p:sp>
@@ -1145,38 +1136,37 @@
           <a:p>
             <a:pPr lvl="0"/>
             <a:r>
-              <a:rPr lang="ko-KR" altLang="en-US" smtClean="0"/>
+              <a:rPr lang="ko-KR" altLang="en-US"/>
               <a:t>마스터 텍스트 스타일 편집</a:t>
             </a:r>
           </a:p>
           <a:p>
             <a:pPr lvl="1"/>
             <a:r>
-              <a:rPr lang="ko-KR" altLang="en-US" smtClean="0"/>
+              <a:rPr lang="ko-KR" altLang="en-US"/>
               <a:t>둘째 수준</a:t>
             </a:r>
           </a:p>
           <a:p>
             <a:pPr lvl="2"/>
             <a:r>
-              <a:rPr lang="ko-KR" altLang="en-US" smtClean="0"/>
+              <a:rPr lang="ko-KR" altLang="en-US"/>
               <a:t>셋째 수준</a:t>
             </a:r>
           </a:p>
           <a:p>
             <a:pPr lvl="3"/>
             <a:r>
-              <a:rPr lang="ko-KR" altLang="en-US" smtClean="0"/>
+              <a:rPr lang="ko-KR" altLang="en-US"/>
               <a:t>넷째 수준</a:t>
             </a:r>
           </a:p>
           <a:p>
             <a:pPr lvl="4"/>
             <a:r>
-              <a:rPr lang="ko-KR" altLang="en-US" smtClean="0"/>
+              <a:rPr lang="ko-KR" altLang="en-US"/>
               <a:t>다섯째 수준</a:t>
             </a:r>
-            <a:endParaRPr lang="ko-KR" altLang="en-US"/>
           </a:p>
         </p:txBody>
       </p:sp>
@@ -1202,38 +1192,37 @@
           <a:p>
             <a:pPr lvl="0"/>
             <a:r>
-              <a:rPr lang="ko-KR" altLang="en-US" smtClean="0"/>
+              <a:rPr lang="ko-KR" altLang="en-US"/>
               <a:t>마스터 텍스트 스타일 편집</a:t>
             </a:r>
           </a:p>
           <a:p>
             <a:pPr lvl="1"/>
             <a:r>
-              <a:rPr lang="ko-KR" altLang="en-US" smtClean="0"/>
+              <a:rPr lang="ko-KR" altLang="en-US"/>
               <a:t>둘째 수준</a:t>
             </a:r>
           </a:p>
           <a:p>
             <a:pPr lvl="2"/>
             <a:r>
-              <a:rPr lang="ko-KR" altLang="en-US" smtClean="0"/>
+              <a:rPr lang="ko-KR" altLang="en-US"/>
               <a:t>셋째 수준</a:t>
             </a:r>
           </a:p>
           <a:p>
             <a:pPr lvl="3"/>
             <a:r>
-              <a:rPr lang="ko-KR" altLang="en-US" smtClean="0"/>
+              <a:rPr lang="ko-KR" altLang="en-US"/>
               <a:t>넷째 수준</a:t>
             </a:r>
           </a:p>
           <a:p>
             <a:pPr lvl="4"/>
             <a:r>
-              <a:rPr lang="ko-KR" altLang="en-US" smtClean="0"/>
+              <a:rPr lang="ko-KR" altLang="en-US"/>
               <a:t>다섯째 수준</a:t>
             </a:r>
-            <a:endParaRPr lang="ko-KR" altLang="en-US"/>
           </a:p>
         </p:txBody>
       </p:sp>
@@ -1254,7 +1243,7 @@
           <a:p>
             <a:fld id="{435E424A-B170-40E8-9D37-0454DC79A1EB}" type="datetimeFigureOut">
               <a:rPr lang="ko-KR" altLang="en-US" smtClean="0"/>
-              <a:t>2022-06-05</a:t>
+              <a:t>2022-06-06</a:t>
             </a:fld>
             <a:endParaRPr lang="ko-KR" altLang="en-US"/>
           </a:p>
@@ -1353,10 +1342,9 @@
           <a:lstStyle/>
           <a:p>
             <a:r>
-              <a:rPr lang="ko-KR" altLang="en-US" smtClean="0"/>
+              <a:rPr lang="ko-KR" altLang="en-US"/>
               <a:t>마스터 제목 스타일 편집</a:t>
             </a:r>
-            <a:endParaRPr lang="ko-KR" altLang="en-US"/>
           </a:p>
         </p:txBody>
       </p:sp>
@@ -1419,7 +1407,7 @@
           <a:p>
             <a:pPr lvl="0"/>
             <a:r>
-              <a:rPr lang="ko-KR" altLang="en-US" smtClean="0"/>
+              <a:rPr lang="ko-KR" altLang="en-US"/>
               <a:t>마스터 텍스트 스타일 편집</a:t>
             </a:r>
           </a:p>
@@ -1447,38 +1435,37 @@
           <a:p>
             <a:pPr lvl="0"/>
             <a:r>
-              <a:rPr lang="ko-KR" altLang="en-US" smtClean="0"/>
+              <a:rPr lang="ko-KR" altLang="en-US"/>
               <a:t>마스터 텍스트 스타일 편집</a:t>
             </a:r>
           </a:p>
           <a:p>
             <a:pPr lvl="1"/>
             <a:r>
-              <a:rPr lang="ko-KR" altLang="en-US" smtClean="0"/>
+              <a:rPr lang="ko-KR" altLang="en-US"/>
               <a:t>둘째 수준</a:t>
             </a:r>
           </a:p>
           <a:p>
             <a:pPr lvl="2"/>
             <a:r>
-              <a:rPr lang="ko-KR" altLang="en-US" smtClean="0"/>
+              <a:rPr lang="ko-KR" altLang="en-US"/>
               <a:t>셋째 수준</a:t>
             </a:r>
           </a:p>
           <a:p>
             <a:pPr lvl="3"/>
             <a:r>
-              <a:rPr lang="ko-KR" altLang="en-US" smtClean="0"/>
+              <a:rPr lang="ko-KR" altLang="en-US"/>
               <a:t>넷째 수준</a:t>
             </a:r>
           </a:p>
           <a:p>
             <a:pPr lvl="4"/>
             <a:r>
-              <a:rPr lang="ko-KR" altLang="en-US" smtClean="0"/>
+              <a:rPr lang="ko-KR" altLang="en-US"/>
               <a:t>다섯째 수준</a:t>
             </a:r>
-            <a:endParaRPr lang="ko-KR" altLang="en-US"/>
           </a:p>
         </p:txBody>
       </p:sp>
@@ -1541,7 +1528,7 @@
           <a:p>
             <a:pPr lvl="0"/>
             <a:r>
-              <a:rPr lang="ko-KR" altLang="en-US" smtClean="0"/>
+              <a:rPr lang="ko-KR" altLang="en-US"/>
               <a:t>마스터 텍스트 스타일 편집</a:t>
             </a:r>
           </a:p>
@@ -1569,38 +1556,37 @@
           <a:p>
             <a:pPr lvl="0"/>
             <a:r>
-              <a:rPr lang="ko-KR" altLang="en-US" smtClean="0"/>
+              <a:rPr lang="ko-KR" altLang="en-US"/>
               <a:t>마스터 텍스트 스타일 편집</a:t>
             </a:r>
           </a:p>
           <a:p>
             <a:pPr lvl="1"/>
             <a:r>
-              <a:rPr lang="ko-KR" altLang="en-US" smtClean="0"/>
+              <a:rPr lang="ko-KR" altLang="en-US"/>
               <a:t>둘째 수준</a:t>
             </a:r>
           </a:p>
           <a:p>
             <a:pPr lvl="2"/>
             <a:r>
-              <a:rPr lang="ko-KR" altLang="en-US" smtClean="0"/>
+              <a:rPr lang="ko-KR" altLang="en-US"/>
               <a:t>셋째 수준</a:t>
             </a:r>
           </a:p>
           <a:p>
             <a:pPr lvl="3"/>
             <a:r>
-              <a:rPr lang="ko-KR" altLang="en-US" smtClean="0"/>
+              <a:rPr lang="ko-KR" altLang="en-US"/>
               <a:t>넷째 수준</a:t>
             </a:r>
           </a:p>
           <a:p>
             <a:pPr lvl="4"/>
             <a:r>
-              <a:rPr lang="ko-KR" altLang="en-US" smtClean="0"/>
+              <a:rPr lang="ko-KR" altLang="en-US"/>
               <a:t>다섯째 수준</a:t>
             </a:r>
-            <a:endParaRPr lang="ko-KR" altLang="en-US"/>
           </a:p>
         </p:txBody>
       </p:sp>
@@ -1621,7 +1607,7 @@
           <a:p>
             <a:fld id="{435E424A-B170-40E8-9D37-0454DC79A1EB}" type="datetimeFigureOut">
               <a:rPr lang="ko-KR" altLang="en-US" smtClean="0"/>
-              <a:t>2022-06-05</a:t>
+              <a:t>2022-06-06</a:t>
             </a:fld>
             <a:endParaRPr lang="ko-KR" altLang="en-US"/>
           </a:p>
@@ -1715,10 +1701,9 @@
           <a:lstStyle/>
           <a:p>
             <a:r>
-              <a:rPr lang="ko-KR" altLang="en-US" smtClean="0"/>
+              <a:rPr lang="ko-KR" altLang="en-US"/>
               <a:t>마스터 제목 스타일 편집</a:t>
             </a:r>
-            <a:endParaRPr lang="ko-KR" altLang="en-US"/>
           </a:p>
         </p:txBody>
       </p:sp>
@@ -1739,7 +1724,7 @@
           <a:p>
             <a:fld id="{435E424A-B170-40E8-9D37-0454DC79A1EB}" type="datetimeFigureOut">
               <a:rPr lang="ko-KR" altLang="en-US" smtClean="0"/>
-              <a:t>2022-06-05</a:t>
+              <a:t>2022-06-06</a:t>
             </a:fld>
             <a:endParaRPr lang="ko-KR" altLang="en-US"/>
           </a:p>
@@ -1834,7 +1819,7 @@
           <a:p>
             <a:fld id="{435E424A-B170-40E8-9D37-0454DC79A1EB}" type="datetimeFigureOut">
               <a:rPr lang="ko-KR" altLang="en-US" smtClean="0"/>
-              <a:t>2022-06-05</a:t>
+              <a:t>2022-06-06</a:t>
             </a:fld>
             <a:endParaRPr lang="ko-KR" altLang="en-US"/>
           </a:p>
@@ -1937,10 +1922,9 @@
           </a:lstStyle>
           <a:p>
             <a:r>
-              <a:rPr lang="ko-KR" altLang="en-US" smtClean="0"/>
+              <a:rPr lang="ko-KR" altLang="en-US"/>
               <a:t>마스터 제목 스타일 편집</a:t>
             </a:r>
-            <a:endParaRPr lang="ko-KR" altLang="en-US"/>
           </a:p>
         </p:txBody>
       </p:sp>
@@ -1994,38 +1978,37 @@
           <a:p>
             <a:pPr lvl="0"/>
             <a:r>
-              <a:rPr lang="ko-KR" altLang="en-US" smtClean="0"/>
+              <a:rPr lang="ko-KR" altLang="en-US"/>
               <a:t>마스터 텍스트 스타일 편집</a:t>
             </a:r>
           </a:p>
           <a:p>
             <a:pPr lvl="1"/>
             <a:r>
-              <a:rPr lang="ko-KR" altLang="en-US" smtClean="0"/>
+              <a:rPr lang="ko-KR" altLang="en-US"/>
               <a:t>둘째 수준</a:t>
             </a:r>
           </a:p>
           <a:p>
             <a:pPr lvl="2"/>
             <a:r>
-              <a:rPr lang="ko-KR" altLang="en-US" smtClean="0"/>
+              <a:rPr lang="ko-KR" altLang="en-US"/>
               <a:t>셋째 수준</a:t>
             </a:r>
           </a:p>
           <a:p>
             <a:pPr lvl="3"/>
             <a:r>
-              <a:rPr lang="ko-KR" altLang="en-US" smtClean="0"/>
+              <a:rPr lang="ko-KR" altLang="en-US"/>
               <a:t>넷째 수준</a:t>
             </a:r>
           </a:p>
           <a:p>
             <a:pPr lvl="4"/>
             <a:r>
-              <a:rPr lang="ko-KR" altLang="en-US" smtClean="0"/>
+              <a:rPr lang="ko-KR" altLang="en-US"/>
               <a:t>다섯째 수준</a:t>
             </a:r>
-            <a:endParaRPr lang="ko-KR" altLang="en-US"/>
           </a:p>
         </p:txBody>
       </p:sp>
@@ -2088,7 +2071,7 @@
           <a:p>
             <a:pPr lvl="0"/>
             <a:r>
-              <a:rPr lang="ko-KR" altLang="en-US" smtClean="0"/>
+              <a:rPr lang="ko-KR" altLang="en-US"/>
               <a:t>마스터 텍스트 스타일 편집</a:t>
             </a:r>
           </a:p>
@@ -2111,7 +2094,7 @@
           <a:p>
             <a:fld id="{435E424A-B170-40E8-9D37-0454DC79A1EB}" type="datetimeFigureOut">
               <a:rPr lang="ko-KR" altLang="en-US" smtClean="0"/>
-              <a:t>2022-06-05</a:t>
+              <a:t>2022-06-06</a:t>
             </a:fld>
             <a:endParaRPr lang="ko-KR" altLang="en-US"/>
           </a:p>
@@ -2214,10 +2197,9 @@
           </a:lstStyle>
           <a:p>
             <a:r>
-              <a:rPr lang="ko-KR" altLang="en-US" smtClean="0"/>
+              <a:rPr lang="ko-KR" altLang="en-US"/>
               <a:t>마스터 제목 스타일 편집</a:t>
             </a:r>
-            <a:endParaRPr lang="ko-KR" altLang="en-US"/>
           </a:p>
         </p:txBody>
       </p:sp>
@@ -2341,7 +2323,7 @@
           <a:p>
             <a:pPr lvl="0"/>
             <a:r>
-              <a:rPr lang="ko-KR" altLang="en-US" smtClean="0"/>
+              <a:rPr lang="ko-KR" altLang="en-US"/>
               <a:t>마스터 텍스트 스타일 편집</a:t>
             </a:r>
           </a:p>
@@ -2364,7 +2346,7 @@
           <a:p>
             <a:fld id="{435E424A-B170-40E8-9D37-0454DC79A1EB}" type="datetimeFigureOut">
               <a:rPr lang="ko-KR" altLang="en-US" smtClean="0"/>
-              <a:t>2022-06-05</a:t>
+              <a:t>2022-06-06</a:t>
             </a:fld>
             <a:endParaRPr lang="ko-KR" altLang="en-US"/>
           </a:p>
@@ -2519,10 +2501,9 @@
           <a:lstStyle/>
           <a:p>
             <a:r>
-              <a:rPr lang="ko-KR" altLang="en-US" smtClean="0"/>
+              <a:rPr lang="ko-KR" altLang="en-US"/>
               <a:t>마스터 제목 스타일 편집</a:t>
             </a:r>
-            <a:endParaRPr lang="ko-KR" altLang="en-US"/>
           </a:p>
         </p:txBody>
       </p:sp>
@@ -2553,38 +2534,37 @@
           <a:p>
             <a:pPr lvl="0"/>
             <a:r>
-              <a:rPr lang="ko-KR" altLang="en-US" smtClean="0"/>
+              <a:rPr lang="ko-KR" altLang="en-US"/>
               <a:t>마스터 텍스트 스타일 편집</a:t>
             </a:r>
           </a:p>
           <a:p>
             <a:pPr lvl="1"/>
             <a:r>
-              <a:rPr lang="ko-KR" altLang="en-US" smtClean="0"/>
+              <a:rPr lang="ko-KR" altLang="en-US"/>
               <a:t>둘째 수준</a:t>
             </a:r>
           </a:p>
           <a:p>
             <a:pPr lvl="2"/>
             <a:r>
-              <a:rPr lang="ko-KR" altLang="en-US" smtClean="0"/>
+              <a:rPr lang="ko-KR" altLang="en-US"/>
               <a:t>셋째 수준</a:t>
             </a:r>
           </a:p>
           <a:p>
             <a:pPr lvl="3"/>
             <a:r>
-              <a:rPr lang="ko-KR" altLang="en-US" smtClean="0"/>
+              <a:rPr lang="ko-KR" altLang="en-US"/>
               <a:t>넷째 수준</a:t>
             </a:r>
           </a:p>
           <a:p>
             <a:pPr lvl="4"/>
             <a:r>
-              <a:rPr lang="ko-KR" altLang="en-US" smtClean="0"/>
+              <a:rPr lang="ko-KR" altLang="en-US"/>
               <a:t>다섯째 수준</a:t>
             </a:r>
-            <a:endParaRPr lang="ko-KR" altLang="en-US"/>
           </a:p>
         </p:txBody>
       </p:sp>
@@ -2623,7 +2603,7 @@
           <a:p>
             <a:fld id="{435E424A-B170-40E8-9D37-0454DC79A1EB}" type="datetimeFigureOut">
               <a:rPr lang="ko-KR" altLang="en-US" smtClean="0"/>
-              <a:t>2022-06-05</a:t>
+              <a:t>2022-06-06</a:t>
             </a:fld>
             <a:endParaRPr lang="ko-KR" altLang="en-US"/>
           </a:p>
@@ -3129,13 +3109,8 @@
             </a:r>
             <a:r>
               <a:rPr lang="ko-KR" altLang="en-US" sz="4400" dirty="0"/>
-              <a:t>부문 </a:t>
-            </a:r>
-            <a:r>
-              <a:rPr lang="ko-KR" altLang="en-US" sz="4400" dirty="0" smtClean="0"/>
-              <a:t>전문직무직원 </a:t>
-            </a:r>
-            <a:endParaRPr lang="ko-KR" altLang="en-US" sz="4400" dirty="0"/>
+              <a:t>부문 전문직무직원 </a:t>
+            </a:r>
           </a:p>
         </p:txBody>
       </p:sp>
@@ -3159,22 +3134,21 @@
           <a:bodyPr/>
           <a:lstStyle/>
           <a:p>
-            <a:endParaRPr lang="en-US" altLang="ko-KR" dirty="0" smtClean="0"/>
-          </a:p>
-          <a:p>
-            <a:r>
-              <a:rPr lang="ko-KR" altLang="en-US" sz="2800" dirty="0" smtClean="0"/>
+            <a:endParaRPr lang="en-US" altLang="ko-KR" dirty="0"/>
+          </a:p>
+          <a:p>
+            <a:r>
+              <a:rPr lang="ko-KR" altLang="en-US" sz="2800" dirty="0"/>
               <a:t>발표자 </a:t>
             </a:r>
             <a:r>
-              <a:rPr lang="en-US" altLang="ko-KR" sz="2800" dirty="0" smtClean="0"/>
+              <a:rPr lang="en-US" altLang="ko-KR" sz="2800" dirty="0"/>
               <a:t>: </a:t>
             </a:r>
             <a:r>
-              <a:rPr lang="ko-KR" altLang="en-US" sz="2800" dirty="0" smtClean="0"/>
+              <a:rPr lang="ko-KR" altLang="en-US" sz="2800" dirty="0"/>
               <a:t>윤여훈</a:t>
             </a:r>
-            <a:endParaRPr lang="ko-KR" altLang="en-US" sz="2800" dirty="0"/>
           </a:p>
         </p:txBody>
       </p:sp>
@@ -3191,13 +3165,6 @@
   <p:transition spd="slow">
     <p:push dir="u"/>
   </p:transition>
-  <p:timing>
-    <p:tnLst>
-      <p:par>
-        <p:cTn id="1" dur="indefinite" restart="never" nodeType="tmRoot"/>
-      </p:par>
-    </p:tnLst>
-  </p:timing>
 </p:sld>
 </file>
 
@@ -3235,17 +3202,12 @@
           <a:p>
             <a:r>
               <a:rPr lang="en-US" altLang="ko-KR" dirty="0"/>
-              <a:t>4</a:t>
-            </a:r>
-            <a:r>
-              <a:rPr lang="en-US" altLang="ko-KR" dirty="0" smtClean="0"/>
-              <a:t>. </a:t>
-            </a:r>
-            <a:r>
-              <a:rPr lang="ko-KR" altLang="en-US" dirty="0" smtClean="0"/>
+              <a:t>4. </a:t>
+            </a:r>
+            <a:r>
+              <a:rPr lang="ko-KR" altLang="en-US" dirty="0"/>
               <a:t>진행과정</a:t>
             </a:r>
-            <a:endParaRPr lang="ko-KR" altLang="en-US" dirty="0"/>
           </a:p>
         </p:txBody>
       </p:sp>
@@ -3261,7 +3223,9 @@
         </p:nvSpPr>
         <p:spPr/>
         <p:txBody>
-          <a:bodyPr/>
+          <a:bodyPr>
+            <a:normAutofit/>
+          </a:bodyPr>
           <a:lstStyle/>
           <a:p>
             <a:pPr marL="514350" indent="-514350">
@@ -3269,34 +3233,14 @@
               <a:buAutoNum type="arabicParenR" startAt="4"/>
             </a:pPr>
             <a:r>
-              <a:rPr lang="ko-KR" altLang="en-US" dirty="0" smtClean="0"/>
+              <a:rPr lang="ko-KR" altLang="en-US" sz="2400" dirty="0"/>
               <a:t>평가</a:t>
             </a:r>
             <a:r>
-              <a:rPr lang="en-US" altLang="ko-KR" dirty="0" smtClean="0"/>
-              <a:t>(Confusion </a:t>
-            </a:r>
-            <a:r>
-              <a:rPr lang="en-US" altLang="ko-KR" dirty="0"/>
-              <a:t>M</a:t>
-            </a:r>
-            <a:r>
-              <a:rPr lang="en-US" altLang="ko-KR" dirty="0" smtClean="0"/>
-              <a:t>atrix</a:t>
-            </a:r>
-            <a:r>
-              <a:rPr lang="en-US" altLang="ko-KR" dirty="0" smtClean="0"/>
-              <a:t>, </a:t>
-            </a:r>
-            <a:r>
-              <a:rPr lang="en-US" altLang="ko-KR" dirty="0" smtClean="0"/>
-              <a:t>Accuracy</a:t>
-            </a:r>
-            <a:r>
-              <a:rPr lang="en-US" altLang="ko-KR" dirty="0" smtClean="0"/>
-              <a:t>)</a:t>
-            </a:r>
-            <a:endParaRPr lang="ko-KR" altLang="en-US" dirty="0"/>
+              <a:rPr lang="en-US" altLang="ko-KR" sz="2400" dirty="0"/>
+              <a:t>(Confusion Matrix, Accuracy)</a:t>
+            </a:r>
+            <a:endParaRPr lang="ko-KR" altLang="en-US" sz="2400" dirty="0"/>
           </a:p>
         </p:txBody>
       </p:sp>
@@ -3398,17 +3342,12 @@
           <a:p>
             <a:r>
               <a:rPr lang="en-US" altLang="ko-KR" dirty="0"/>
-              <a:t>4</a:t>
-            </a:r>
-            <a:r>
-              <a:rPr lang="en-US" altLang="ko-KR" dirty="0" smtClean="0"/>
-              <a:t>. </a:t>
-            </a:r>
-            <a:r>
-              <a:rPr lang="ko-KR" altLang="en-US" dirty="0" smtClean="0"/>
+              <a:t>4. </a:t>
+            </a:r>
+            <a:r>
+              <a:rPr lang="ko-KR" altLang="en-US" dirty="0"/>
               <a:t>진행과정</a:t>
             </a:r>
-            <a:endParaRPr lang="ko-KR" altLang="en-US" dirty="0"/>
           </a:p>
         </p:txBody>
       </p:sp>
@@ -3424,7 +3363,9 @@
         </p:nvSpPr>
         <p:spPr/>
         <p:txBody>
-          <a:bodyPr/>
+          <a:bodyPr>
+            <a:normAutofit/>
+          </a:bodyPr>
           <a:lstStyle/>
           <a:p>
             <a:pPr marL="514350" indent="-514350">
@@ -3432,10 +3373,10 @@
               <a:buAutoNum type="arabicParenR" startAt="5"/>
             </a:pPr>
             <a:r>
-              <a:rPr lang="ko-KR" altLang="en-US" dirty="0" smtClean="0"/>
+              <a:rPr lang="ko-KR" altLang="en-US" sz="2400" dirty="0"/>
               <a:t>피드백</a:t>
             </a:r>
-            <a:endParaRPr lang="en-US" altLang="ko-KR" dirty="0" smtClean="0"/>
+            <a:endParaRPr lang="en-US" altLang="ko-KR" sz="2400" dirty="0"/>
           </a:p>
           <a:p>
             <a:pPr marL="914400" lvl="1" indent="-457200">
@@ -3443,35 +3384,23 @@
               <a:buAutoNum type="circleNumDbPlain"/>
             </a:pPr>
             <a:r>
-              <a:rPr lang="en-US" altLang="ko-KR" dirty="0" smtClean="0"/>
+              <a:rPr lang="en-US" altLang="ko-KR" sz="2000" dirty="0"/>
               <a:t>Augmentation </a:t>
             </a:r>
             <a:r>
-              <a:rPr lang="ko-KR" altLang="en-US" dirty="0" smtClean="0"/>
+              <a:rPr lang="ko-KR" altLang="en-US" sz="2000" dirty="0"/>
               <a:t>하는 값을 </a:t>
             </a:r>
             <a:r>
-              <a:rPr lang="en-US" altLang="ko-KR" dirty="0" smtClean="0"/>
+              <a:rPr lang="en-US" altLang="ko-KR" sz="2000" dirty="0"/>
               <a:t>10 -&gt; 100</a:t>
             </a:r>
             <a:r>
-              <a:rPr lang="ko-KR" altLang="en-US" dirty="0" smtClean="0"/>
-              <a:t>장으로 늘려서 </a:t>
-            </a:r>
-            <a:r>
-              <a:rPr lang="ko-KR" altLang="en-US" dirty="0" smtClean="0"/>
-              <a:t>데이터</a:t>
-            </a:r>
-            <a:r>
-              <a:rPr lang="ko-KR" altLang="en-US" dirty="0" smtClean="0"/>
-              <a:t>의 </a:t>
-            </a:r>
-            <a:r>
-              <a:rPr lang="ko-KR" altLang="en-US" dirty="0" smtClean="0"/>
-              <a:t>수를 늘림</a:t>
-            </a:r>
-            <a:r>
-              <a:rPr lang="en-US" altLang="ko-KR" dirty="0" smtClean="0"/>
+              <a:rPr lang="ko-KR" altLang="en-US" sz="2000" dirty="0"/>
+              <a:t>장으로 늘려서 데이터의 수를 늘림</a:t>
+            </a:r>
+            <a:r>
+              <a:rPr lang="en-US" altLang="ko-KR" sz="2000" dirty="0"/>
               <a:t>.</a:t>
             </a:r>
           </a:p>
@@ -3481,27 +3410,19 @@
               <a:buAutoNum type="circleNumDbPlain"/>
             </a:pPr>
             <a:r>
-              <a:rPr lang="ko-KR" altLang="en-US" dirty="0" smtClean="0"/>
+              <a:rPr lang="ko-KR" altLang="en-US" sz="2000" dirty="0"/>
               <a:t>트레이닝 </a:t>
             </a:r>
             <a:r>
-              <a:rPr lang="en-US" altLang="ko-KR" dirty="0" smtClean="0"/>
+              <a:rPr lang="en-US" altLang="ko-KR" sz="2000" dirty="0"/>
               <a:t>/ </a:t>
             </a:r>
             <a:r>
-              <a:rPr lang="ko-KR" altLang="en-US" dirty="0" smtClean="0"/>
-              <a:t>테스트 데이터의 비중을 올리거나 값을 </a:t>
-            </a:r>
-            <a:r>
-              <a:rPr lang="ko-KR" altLang="en-US" dirty="0" smtClean="0"/>
-              <a:t>랜덤으로 </a:t>
-            </a:r>
-            <a:r>
-              <a:rPr lang="ko-KR" altLang="en-US" dirty="0" smtClean="0"/>
-              <a:t>설정</a:t>
-            </a:r>
-            <a:r>
-              <a:rPr lang="en-US" altLang="ko-KR" dirty="0" smtClean="0"/>
+              <a:rPr lang="ko-KR" altLang="en-US" sz="2000" dirty="0"/>
+              <a:t>테스트 데이터의 비중을 올리거나 값을 랜덤으로 설정</a:t>
+            </a:r>
+            <a:r>
+              <a:rPr lang="en-US" altLang="ko-KR" sz="2000" dirty="0"/>
               <a:t>.</a:t>
             </a:r>
           </a:p>
@@ -3511,22 +3432,22 @@
               <a:buAutoNum type="circleNumDbPlain"/>
             </a:pPr>
             <a:r>
-              <a:rPr lang="ko-KR" altLang="en-US" dirty="0" smtClean="0"/>
+              <a:rPr lang="ko-KR" altLang="en-US" sz="2000" dirty="0"/>
               <a:t>원천 데이터의 개수를 늘려서 데이터의 질을 높임</a:t>
             </a:r>
             <a:r>
-              <a:rPr lang="en-US" altLang="ko-KR" dirty="0" smtClean="0"/>
+              <a:rPr lang="en-US" altLang="ko-KR" sz="2000" dirty="0"/>
               <a:t>. (</a:t>
             </a:r>
             <a:r>
-              <a:rPr lang="ko-KR" altLang="en-US" dirty="0" smtClean="0"/>
+              <a:rPr lang="ko-KR" altLang="en-US" sz="2000" dirty="0"/>
               <a:t>환경 </a:t>
             </a:r>
             <a:r>
-              <a:rPr lang="en-US" altLang="ko-KR" dirty="0" smtClean="0"/>
+              <a:rPr lang="en-US" altLang="ko-KR" sz="2000" dirty="0"/>
               <a:t>X)</a:t>
             </a:r>
-            <a:endParaRPr lang="ko-KR" altLang="en-US" dirty="0"/>
+            <a:endParaRPr lang="ko-KR" altLang="en-US" sz="2000" dirty="0"/>
           </a:p>
         </p:txBody>
       </p:sp>
@@ -3613,7 +3534,7 @@
           <a:p>
             <a:pPr algn="ctr"/>
             <a:r>
-              <a:rPr lang="en-US" altLang="ko-KR" dirty="0" smtClean="0">
+              <a:rPr lang="en-US" altLang="ko-KR" dirty="0">
                 <a:solidFill>
                   <a:srgbClr val="FF0000"/>
                 </a:solidFill>
@@ -3671,7 +3592,7 @@
           <a:p>
             <a:pPr algn="ctr"/>
             <a:r>
-              <a:rPr lang="en-US" altLang="ko-KR" dirty="0" smtClean="0">
+              <a:rPr lang="en-US" altLang="ko-KR" dirty="0">
                 <a:solidFill>
                   <a:srgbClr val="FF0000"/>
                 </a:solidFill>
@@ -3709,18 +3630,13 @@
           <a:lstStyle/>
           <a:p>
             <a:r>
-              <a:rPr lang="ko-KR" altLang="en-US" b="1" dirty="0" smtClean="0">
+              <a:rPr lang="ko-KR" altLang="en-US" b="1" dirty="0">
                 <a:solidFill>
                   <a:srgbClr val="FF0000"/>
                 </a:solidFill>
               </a:rPr>
               <a:t>선택</a:t>
             </a:r>
-            <a:endParaRPr lang="ko-KR" altLang="en-US" b="1" dirty="0">
-              <a:solidFill>
-                <a:srgbClr val="FF0000"/>
-              </a:solidFill>
-            </a:endParaRPr>
           </a:p>
         </p:txBody>
       </p:sp>
@@ -3830,17 +3746,12 @@
           <a:p>
             <a:r>
               <a:rPr lang="en-US" altLang="ko-KR" dirty="0"/>
-              <a:t>5</a:t>
-            </a:r>
-            <a:r>
-              <a:rPr lang="en-US" altLang="ko-KR" dirty="0" smtClean="0"/>
-              <a:t>. </a:t>
-            </a:r>
-            <a:r>
-              <a:rPr lang="ko-KR" altLang="en-US" dirty="0" smtClean="0"/>
+              <a:t>5. </a:t>
+            </a:r>
+            <a:r>
+              <a:rPr lang="ko-KR" altLang="en-US" dirty="0"/>
               <a:t>결과</a:t>
             </a:r>
-            <a:endParaRPr lang="ko-KR" altLang="en-US" dirty="0"/>
           </a:p>
         </p:txBody>
       </p:sp>
@@ -3856,26 +3767,23 @@
         </p:nvSpPr>
         <p:spPr/>
         <p:txBody>
-          <a:bodyPr/>
-          <a:lstStyle/>
-          <a:p>
-            <a:r>
-              <a:rPr lang="ko-KR" altLang="en-US" dirty="0" smtClean="0"/>
+          <a:bodyPr>
+            <a:normAutofit/>
+          </a:bodyPr>
+          <a:lstStyle/>
+          <a:p>
+            <a:r>
+              <a:rPr lang="ko-KR" altLang="en-US" sz="2400" dirty="0"/>
               <a:t>모델에 대한 피드백을 거쳐 정확도 </a:t>
             </a:r>
             <a:r>
-              <a:rPr lang="en-US" altLang="ko-KR" dirty="0" smtClean="0"/>
+              <a:rPr lang="en-US" altLang="ko-KR" sz="2400" dirty="0"/>
               <a:t>1.0</a:t>
             </a:r>
             <a:r>
-              <a:rPr lang="ko-KR" altLang="en-US" dirty="0"/>
-              <a:t> </a:t>
-            </a:r>
-            <a:r>
-              <a:rPr lang="ko-KR" altLang="en-US" dirty="0" smtClean="0"/>
-              <a:t>출력</a:t>
-            </a:r>
-            <a:endParaRPr lang="ko-KR" altLang="en-US" dirty="0"/>
+              <a:rPr lang="ko-KR" altLang="en-US" sz="2400" dirty="0"/>
+              <a:t> 출력</a:t>
+            </a:r>
           </a:p>
         </p:txBody>
       </p:sp>
@@ -3992,608 +3900,67 @@
           <a:p>
             <a:r>
               <a:rPr lang="en-US" altLang="ko-KR" dirty="0"/>
-              <a:t>6</a:t>
-            </a:r>
-            <a:r>
-              <a:rPr lang="en-US" altLang="ko-KR" dirty="0" smtClean="0"/>
-              <a:t>. </a:t>
-            </a:r>
-            <a:r>
-              <a:rPr lang="ko-KR" altLang="en-US" dirty="0" smtClean="0"/>
-              <a:t>공통 과제</a:t>
-            </a:r>
-            <a:r>
-              <a:rPr lang="en-US" altLang="ko-KR" dirty="0" smtClean="0"/>
+              <a:t>5. </a:t>
+            </a:r>
+            <a:r>
+              <a:rPr lang="ko-KR" altLang="en-US" dirty="0"/>
+              <a:t>결과</a:t>
+            </a:r>
+            <a:r>
+              <a:rPr lang="en-US" altLang="ko-KR" dirty="0"/>
               <a:t>(</a:t>
             </a:r>
             <a:r>
-              <a:rPr lang="ko-KR" altLang="en-US" dirty="0" smtClean="0"/>
-              <a:t>경력 기술</a:t>
-            </a:r>
-            <a:r>
-              <a:rPr lang="en-US" altLang="ko-KR" dirty="0" smtClean="0"/>
+              <a:rPr lang="ko-KR" altLang="en-US" dirty="0"/>
+              <a:t>아키텍처</a:t>
+            </a:r>
+            <a:r>
+              <a:rPr lang="en-US" altLang="ko-KR" dirty="0"/>
               <a:t>)</a:t>
             </a:r>
             <a:endParaRPr lang="ko-KR" altLang="en-US" dirty="0"/>
           </a:p>
         </p:txBody>
       </p:sp>
-      <p:sp>
-        <p:nvSpPr>
-          <p:cNvPr id="4" name="내용 개체 틀 3"/>
-          <p:cNvSpPr>
-            <a:spLocks noGrp="1"/>
-          </p:cNvSpPr>
+      <p:pic>
+        <p:nvPicPr>
+          <p:cNvPr id="12" name="내용 개체 틀 11">
+            <a:extLst>
+              <a:ext uri="{FF2B5EF4-FFF2-40B4-BE49-F238E27FC236}">
+                <a16:creationId xmlns:a16="http://schemas.microsoft.com/office/drawing/2014/main" id="{F2EB1D37-B579-4390-A7ED-D54580354FE7}"/>
+              </a:ext>
+            </a:extLst>
+          </p:cNvPr>
+          <p:cNvPicPr>
+            <a:picLocks noGrp="1" noChangeAspect="1"/>
+          </p:cNvPicPr>
           <p:nvPr>
             <p:ph idx="1"/>
           </p:nvPr>
-        </p:nvSpPr>
-        <p:spPr/>
-        <p:txBody>
-          <a:bodyPr>
-            <a:normAutofit fontScale="62500" lnSpcReduction="20000"/>
-          </a:bodyPr>
-          <a:lstStyle/>
-          <a:p>
-            <a:pPr marL="514350" indent="-514350">
-              <a:buFont typeface="+mj-lt"/>
-              <a:buAutoNum type="arabicParenR"/>
-            </a:pPr>
-            <a:r>
-              <a:rPr lang="ko-KR" altLang="en-US" dirty="0" smtClean="0"/>
-              <a:t>성균관대학교 석사 졸업프로젝트</a:t>
-            </a:r>
-            <a:r>
-              <a:rPr lang="en-US" altLang="ko-KR" dirty="0" smtClean="0"/>
-              <a:t>(2019.09~2021.02)</a:t>
-            </a:r>
-          </a:p>
-          <a:p>
-            <a:pPr lvl="1"/>
-            <a:r>
-              <a:rPr lang="ko-KR" altLang="en-US" dirty="0" smtClean="0"/>
-              <a:t>주제 </a:t>
-            </a:r>
-            <a:r>
-              <a:rPr lang="en-US" altLang="ko-KR" dirty="0" smtClean="0"/>
-              <a:t>: </a:t>
-            </a:r>
-            <a:r>
-              <a:rPr lang="ko-KR" altLang="en-US" dirty="0" smtClean="0"/>
-              <a:t>식물 </a:t>
-            </a:r>
-            <a:r>
-              <a:rPr lang="ko-KR" altLang="en-US" dirty="0"/>
-              <a:t>질병 예측 및 </a:t>
-            </a:r>
-            <a:r>
-              <a:rPr lang="ko-KR" altLang="en-US" dirty="0" smtClean="0"/>
-              <a:t>사물 인식</a:t>
-            </a:r>
-            <a:r>
-              <a:rPr lang="en-US" altLang="ko-KR" dirty="0" smtClean="0"/>
-              <a:t>(</a:t>
-            </a:r>
-            <a:r>
-              <a:rPr lang="ko-KR" altLang="en-US" dirty="0" smtClean="0">
-                <a:hlinkClick r:id="rId2"/>
-              </a:rPr>
-              <a:t>링크</a:t>
-            </a:r>
-            <a:r>
-              <a:rPr lang="en-US" altLang="ko-KR" dirty="0" smtClean="0"/>
-              <a:t>)</a:t>
-            </a:r>
-            <a:r>
-              <a:rPr lang="ko-KR" altLang="en-US" dirty="0" smtClean="0"/>
-              <a:t> </a:t>
-            </a:r>
-            <a:endParaRPr lang="en-US" altLang="ko-KR" dirty="0" smtClean="0"/>
-          </a:p>
-          <a:p>
-            <a:pPr lvl="1"/>
-            <a:r>
-              <a:rPr lang="ko-KR" altLang="en-US" dirty="0" smtClean="0"/>
-              <a:t>데이터 </a:t>
-            </a:r>
-            <a:r>
-              <a:rPr lang="en-US" altLang="ko-KR" dirty="0"/>
-              <a:t>: Plant Pathology 2020 – FGVC7(Identify the category of foliar diseases in apple trees</a:t>
-            </a:r>
-            <a:r>
-              <a:rPr lang="en-US" altLang="ko-KR" dirty="0" smtClean="0"/>
-              <a:t>)</a:t>
-            </a:r>
-          </a:p>
-          <a:p>
-            <a:pPr lvl="1"/>
-            <a:r>
-              <a:rPr lang="ko-KR" altLang="en-US" dirty="0" smtClean="0"/>
-              <a:t>담당업무 </a:t>
-            </a:r>
-            <a:r>
-              <a:rPr lang="en-US" altLang="ko-KR" dirty="0" smtClean="0"/>
-              <a:t>: </a:t>
-            </a:r>
-            <a:r>
-              <a:rPr lang="ko-KR" altLang="en-US" dirty="0" smtClean="0"/>
-              <a:t>모델 생성 및 소스 개발</a:t>
-            </a:r>
-            <a:endParaRPr lang="en-US" altLang="ko-KR" dirty="0" smtClean="0"/>
-          </a:p>
-          <a:p>
-            <a:pPr lvl="1"/>
-            <a:r>
-              <a:rPr lang="ko-KR" altLang="en-US" dirty="0" smtClean="0"/>
-              <a:t>사용 모델 </a:t>
-            </a:r>
-            <a:r>
-              <a:rPr lang="en-US" altLang="ko-KR" dirty="0" smtClean="0"/>
-              <a:t>: </a:t>
-            </a:r>
-            <a:r>
-              <a:rPr lang="en-US" altLang="ko-KR" dirty="0" err="1" smtClean="0"/>
-              <a:t>DenseNet</a:t>
-            </a:r>
-            <a:r>
-              <a:rPr lang="en-US" altLang="ko-KR" dirty="0"/>
-              <a:t>, </a:t>
-            </a:r>
-            <a:r>
-              <a:rPr lang="en-US" altLang="ko-KR" dirty="0" err="1" smtClean="0"/>
-              <a:t>EfficientNet</a:t>
-            </a:r>
-            <a:r>
-              <a:rPr lang="en-US" altLang="ko-KR" dirty="0" smtClean="0"/>
-              <a:t> </a:t>
-            </a:r>
-            <a:r>
-              <a:rPr lang="en-US" altLang="ko-KR" dirty="0"/>
-              <a:t>/ Augmentation : </a:t>
-            </a:r>
-            <a:r>
-              <a:rPr lang="en-US" altLang="ko-KR" dirty="0" err="1" smtClean="0"/>
-              <a:t>Albumentations</a:t>
-            </a:r>
-            <a:r>
-              <a:rPr lang="en-US" altLang="ko-KR" dirty="0" smtClean="0"/>
-              <a:t> </a:t>
-            </a:r>
-            <a:r>
-              <a:rPr lang="en-US" altLang="ko-KR" dirty="0"/>
-              <a:t>/ </a:t>
-            </a:r>
-            <a:r>
-              <a:rPr lang="ko-KR" altLang="en-US" dirty="0"/>
-              <a:t>분석 서버 </a:t>
-            </a:r>
-            <a:r>
-              <a:rPr lang="en-US" altLang="ko-KR" dirty="0"/>
-              <a:t>: </a:t>
-            </a:r>
-            <a:r>
-              <a:rPr lang="en-US" altLang="ko-KR" dirty="0" err="1" smtClean="0"/>
-              <a:t>Colab</a:t>
-            </a:r>
-            <a:endParaRPr lang="en-US" altLang="ko-KR" dirty="0" smtClean="0"/>
-          </a:p>
-          <a:p>
-            <a:pPr lvl="1"/>
-            <a:r>
-              <a:rPr lang="ko-KR" altLang="en-US" dirty="0" smtClean="0"/>
-              <a:t>성과 </a:t>
-            </a:r>
-            <a:r>
-              <a:rPr lang="en-US" altLang="ko-KR" dirty="0" smtClean="0"/>
-              <a:t>: </a:t>
-            </a:r>
-            <a:r>
-              <a:rPr lang="ko-KR" altLang="en-US" dirty="0" smtClean="0"/>
-              <a:t>정확도 </a:t>
-            </a:r>
-            <a:r>
-              <a:rPr lang="en-US" altLang="ko-KR" dirty="0" smtClean="0"/>
-              <a:t>98.06%</a:t>
-            </a:r>
-          </a:p>
-          <a:p>
-            <a:pPr marL="514350" indent="-514350">
-              <a:buFont typeface="+mj-lt"/>
-              <a:buAutoNum type="arabicParenR"/>
-            </a:pPr>
-            <a:r>
-              <a:rPr lang="ko-KR" altLang="en-US" dirty="0" smtClean="0"/>
-              <a:t>지금 컴퍼니</a:t>
-            </a:r>
-            <a:endParaRPr lang="en-US" altLang="ko-KR" dirty="0" smtClean="0"/>
-          </a:p>
-          <a:p>
-            <a:pPr lvl="1"/>
-            <a:r>
-              <a:rPr lang="ko-KR" altLang="en-US" dirty="0" smtClean="0"/>
-              <a:t>주제 </a:t>
-            </a:r>
-            <a:r>
-              <a:rPr lang="en-US" altLang="ko-KR" dirty="0" smtClean="0"/>
-              <a:t>: </a:t>
-            </a:r>
-            <a:r>
-              <a:rPr lang="ko-KR" altLang="en-US" dirty="0"/>
-              <a:t>사용자 라이프스타일에 최적화된 인공지능 </a:t>
-            </a:r>
-            <a:r>
-              <a:rPr lang="ko-KR" altLang="en-US" dirty="0" smtClean="0"/>
-              <a:t>스마트 홈</a:t>
-            </a:r>
-            <a:r>
-              <a:rPr lang="en-US" altLang="ko-KR" dirty="0" smtClean="0"/>
-              <a:t>(</a:t>
-            </a:r>
-            <a:r>
-              <a:rPr lang="ko-KR" altLang="en-US" dirty="0" smtClean="0">
-                <a:hlinkClick r:id="rId3"/>
-              </a:rPr>
-              <a:t>링크</a:t>
-            </a:r>
-            <a:r>
-              <a:rPr lang="en-US" altLang="ko-KR" dirty="0" smtClean="0"/>
-              <a:t>)</a:t>
-            </a:r>
-          </a:p>
-          <a:p>
-            <a:pPr lvl="1"/>
-            <a:r>
-              <a:rPr lang="ko-KR" altLang="en-US" dirty="0" smtClean="0"/>
-              <a:t>데이터 </a:t>
-            </a:r>
-            <a:r>
-              <a:rPr lang="en-US" altLang="ko-KR" dirty="0" smtClean="0"/>
-              <a:t>: </a:t>
-            </a:r>
-            <a:r>
-              <a:rPr lang="ko-KR" altLang="en-US" dirty="0" smtClean="0"/>
-              <a:t>디바이스의 상태 정보 데이터</a:t>
-            </a:r>
-            <a:r>
-              <a:rPr lang="en-US" altLang="ko-KR" dirty="0" smtClean="0"/>
-              <a:t>, </a:t>
-            </a:r>
-            <a:r>
-              <a:rPr lang="ko-KR" altLang="en-US" dirty="0" smtClean="0"/>
-              <a:t>제어 명령 로그</a:t>
-            </a:r>
-            <a:endParaRPr lang="en-US" altLang="ko-KR" dirty="0" smtClean="0"/>
-          </a:p>
-          <a:p>
-            <a:pPr lvl="1"/>
-            <a:r>
-              <a:rPr lang="ko-KR" altLang="en-US" dirty="0" smtClean="0"/>
-              <a:t>담당업무 </a:t>
-            </a:r>
-            <a:r>
-              <a:rPr lang="en-US" altLang="ko-KR" dirty="0" smtClean="0"/>
-              <a:t>: </a:t>
-            </a:r>
-            <a:r>
-              <a:rPr lang="ko-KR" altLang="en-US" dirty="0" smtClean="0"/>
-              <a:t>데이터 파이프라인</a:t>
-            </a:r>
-            <a:r>
-              <a:rPr lang="en-US" altLang="ko-KR" dirty="0" smtClean="0"/>
-              <a:t>(+</a:t>
-            </a:r>
-            <a:r>
-              <a:rPr lang="ko-KR" altLang="en-US" dirty="0" err="1" smtClean="0"/>
-              <a:t>백엔드</a:t>
-            </a:r>
-            <a:r>
-              <a:rPr lang="en-US" altLang="ko-KR" dirty="0" smtClean="0"/>
-              <a:t>) </a:t>
-            </a:r>
-            <a:r>
-              <a:rPr lang="ko-KR" altLang="en-US" dirty="0" smtClean="0"/>
-              <a:t>개발 구축 및 모델 검증</a:t>
-            </a:r>
-            <a:endParaRPr lang="en-US" altLang="ko-KR" dirty="0" smtClean="0"/>
-          </a:p>
-          <a:p>
-            <a:pPr lvl="1"/>
-            <a:r>
-              <a:rPr lang="ko-KR" altLang="en-US" dirty="0" smtClean="0"/>
-              <a:t>사용 모델 </a:t>
-            </a:r>
-            <a:r>
-              <a:rPr lang="en-US" altLang="ko-KR" dirty="0" smtClean="0"/>
-              <a:t>: </a:t>
-            </a:r>
-            <a:r>
-              <a:rPr lang="ko-KR" altLang="en-US" dirty="0" err="1" smtClean="0"/>
-              <a:t>클러스터링</a:t>
-            </a:r>
-            <a:r>
-              <a:rPr lang="ko-KR" altLang="en-US" dirty="0" smtClean="0"/>
-              <a:t> 모델</a:t>
-            </a:r>
-            <a:r>
-              <a:rPr lang="en-US" altLang="ko-KR" dirty="0" smtClean="0"/>
-              <a:t>(K-means, Agglomerative Clustering) </a:t>
-            </a:r>
-            <a:r>
-              <a:rPr lang="en-US" altLang="ko-KR" dirty="0"/>
-              <a:t>/ </a:t>
-            </a:r>
-            <a:r>
-              <a:rPr lang="ko-KR" altLang="en-US" dirty="0"/>
-              <a:t>분석 서버 </a:t>
-            </a:r>
-            <a:r>
-              <a:rPr lang="en-US" altLang="ko-KR" dirty="0"/>
-              <a:t>: </a:t>
-            </a:r>
-            <a:r>
-              <a:rPr lang="ko-KR" altLang="en-US" dirty="0" err="1"/>
-              <a:t>온프레미스</a:t>
-            </a:r>
-            <a:r>
-              <a:rPr lang="ko-KR" altLang="en-US" dirty="0"/>
-              <a:t> </a:t>
-            </a:r>
-            <a:r>
-              <a:rPr lang="en-US" altLang="ko-KR" dirty="0" err="1"/>
-              <a:t>Jypyter</a:t>
-            </a:r>
-            <a:endParaRPr lang="en-US" altLang="ko-KR" dirty="0" smtClean="0"/>
-          </a:p>
-          <a:p>
-            <a:pPr lvl="1"/>
-            <a:r>
-              <a:rPr lang="ko-KR" altLang="en-US" dirty="0" smtClean="0"/>
-              <a:t>성과 </a:t>
-            </a:r>
-            <a:r>
-              <a:rPr lang="en-US" altLang="ko-KR" smtClean="0"/>
-              <a:t>: </a:t>
-            </a:r>
-            <a:r>
-              <a:rPr lang="ko-KR" altLang="en-US" smtClean="0"/>
-              <a:t>설정된 </a:t>
-            </a:r>
-            <a:r>
-              <a:rPr lang="ko-KR" altLang="en-US" dirty="0" smtClean="0"/>
-              <a:t>데이터를 기준점으로 디바이스 스크립트 플랫폼 개발 </a:t>
-            </a:r>
-            <a:r>
-              <a:rPr lang="en-US" altLang="ko-KR" dirty="0" smtClean="0"/>
-              <a:t>/ </a:t>
-            </a:r>
-            <a:r>
-              <a:rPr lang="en-US" altLang="ko-KR" dirty="0"/>
-              <a:t>IBK </a:t>
-            </a:r>
-            <a:r>
-              <a:rPr lang="ko-KR" altLang="ko-KR" dirty="0"/>
-              <a:t>창공 마포</a:t>
-            </a:r>
-            <a:r>
-              <a:rPr lang="en-US" altLang="ko-KR" dirty="0"/>
-              <a:t> 3</a:t>
-            </a:r>
-            <a:r>
-              <a:rPr lang="ko-KR" altLang="ko-KR" dirty="0" smtClean="0"/>
-              <a:t>기</a:t>
-            </a:r>
-            <a:r>
-              <a:rPr lang="en-US" altLang="ko-KR" dirty="0" smtClean="0"/>
-              <a:t> </a:t>
-            </a:r>
-            <a:r>
-              <a:rPr lang="ko-KR" altLang="en-US" dirty="0" smtClean="0"/>
-              <a:t>선정</a:t>
-            </a:r>
-            <a:endParaRPr lang="en-US" altLang="ko-KR" dirty="0" smtClean="0"/>
-          </a:p>
-          <a:p>
-            <a:pPr marL="514350" indent="-514350">
-              <a:buFont typeface="+mj-lt"/>
-              <a:buAutoNum type="arabicParenR"/>
-            </a:pPr>
-            <a:r>
-              <a:rPr lang="en-US" altLang="ko-KR" dirty="0" smtClean="0"/>
-              <a:t>NDS(</a:t>
-            </a:r>
-            <a:r>
-              <a:rPr lang="ko-KR" altLang="en-US" dirty="0" smtClean="0"/>
-              <a:t>농심데이터시스템</a:t>
-            </a:r>
-            <a:r>
-              <a:rPr lang="en-US" altLang="ko-KR" dirty="0" smtClean="0"/>
-              <a:t>)</a:t>
-            </a:r>
-          </a:p>
-          <a:p>
-            <a:pPr lvl="1"/>
-            <a:r>
-              <a:rPr lang="ko-KR" altLang="en-US" dirty="0" smtClean="0"/>
-              <a:t>주제 </a:t>
-            </a:r>
-            <a:r>
-              <a:rPr lang="en-US" altLang="ko-KR" dirty="0" smtClean="0"/>
-              <a:t>: </a:t>
-            </a:r>
-            <a:r>
-              <a:rPr lang="ko-KR" altLang="en-US" dirty="0" smtClean="0"/>
-              <a:t>마이 데이터 </a:t>
-            </a:r>
-            <a:r>
-              <a:rPr lang="en-US" altLang="ko-KR" dirty="0" smtClean="0"/>
-              <a:t>/ </a:t>
-            </a:r>
-            <a:r>
-              <a:rPr lang="ko-KR" altLang="en-US" dirty="0" err="1" smtClean="0"/>
-              <a:t>라이프월릿</a:t>
-            </a:r>
-            <a:r>
-              <a:rPr lang="ko-KR" altLang="en-US" dirty="0" smtClean="0"/>
-              <a:t> 실증사업</a:t>
-            </a:r>
-            <a:endParaRPr lang="en-US" altLang="ko-KR" dirty="0" smtClean="0"/>
-          </a:p>
-          <a:p>
-            <a:pPr lvl="1"/>
-            <a:r>
-              <a:rPr lang="ko-KR" altLang="en-US" dirty="0" smtClean="0"/>
-              <a:t>데이터 </a:t>
-            </a:r>
-            <a:r>
-              <a:rPr lang="en-US" altLang="ko-KR" dirty="0" smtClean="0"/>
-              <a:t>: </a:t>
-            </a:r>
-            <a:r>
-              <a:rPr lang="ko-KR" altLang="en-US" dirty="0" smtClean="0"/>
-              <a:t>별도 수집한 식품 이미지</a:t>
-            </a:r>
-            <a:r>
-              <a:rPr lang="en-US" altLang="ko-KR" dirty="0" smtClean="0"/>
-              <a:t>(</a:t>
-            </a:r>
-            <a:r>
-              <a:rPr lang="ko-KR" altLang="en-US" dirty="0" smtClean="0"/>
-              <a:t>촬영 이미지</a:t>
-            </a:r>
-            <a:r>
-              <a:rPr lang="en-US" altLang="ko-KR" dirty="0" smtClean="0"/>
-              <a:t>)</a:t>
-            </a:r>
-          </a:p>
-          <a:p>
-            <a:pPr lvl="1"/>
-            <a:r>
-              <a:rPr lang="ko-KR" altLang="en-US" dirty="0" smtClean="0"/>
-              <a:t>담당업무 </a:t>
-            </a:r>
-            <a:r>
-              <a:rPr lang="en-US" altLang="ko-KR" dirty="0" smtClean="0"/>
-              <a:t>: </a:t>
-            </a:r>
-            <a:r>
-              <a:rPr lang="ko-KR" altLang="en-US" dirty="0" err="1" smtClean="0"/>
-              <a:t>클라우드</a:t>
-            </a:r>
-            <a:r>
-              <a:rPr lang="ko-KR" altLang="en-US" dirty="0" smtClean="0"/>
-              <a:t> 및 </a:t>
-            </a:r>
-            <a:r>
-              <a:rPr lang="ko-KR" altLang="en-US" dirty="0" err="1" smtClean="0"/>
-              <a:t>백엔드</a:t>
-            </a:r>
-            <a:r>
-              <a:rPr lang="ko-KR" altLang="en-US" dirty="0" smtClean="0"/>
-              <a:t> 구축 및 개발 </a:t>
-            </a:r>
-            <a:r>
-              <a:rPr lang="en-US" altLang="ko-KR" dirty="0" smtClean="0"/>
-              <a:t>/ Object Detection </a:t>
-            </a:r>
-            <a:r>
-              <a:rPr lang="ko-KR" altLang="en-US" dirty="0" smtClean="0"/>
-              <a:t>모델 생성 및 검증</a:t>
-            </a:r>
-            <a:endParaRPr lang="en-US" altLang="ko-KR" dirty="0" smtClean="0"/>
-          </a:p>
-          <a:p>
-            <a:pPr lvl="1"/>
-            <a:r>
-              <a:rPr lang="ko-KR" altLang="en-US" dirty="0" smtClean="0"/>
-              <a:t>사용 모델 </a:t>
-            </a:r>
-            <a:r>
-              <a:rPr lang="en-US" altLang="ko-KR" dirty="0" smtClean="0"/>
-              <a:t>: YOLOv4 </a:t>
-            </a:r>
-            <a:r>
-              <a:rPr lang="en-US" altLang="ko-KR" dirty="0"/>
-              <a:t>– </a:t>
-            </a:r>
-            <a:r>
-              <a:rPr lang="en-US" altLang="ko-KR" dirty="0" smtClean="0"/>
-              <a:t>Object Detection / </a:t>
-            </a:r>
-            <a:r>
-              <a:rPr lang="ko-KR" altLang="en-US" dirty="0" smtClean="0"/>
-              <a:t>분석 서버 </a:t>
-            </a:r>
-            <a:r>
-              <a:rPr lang="en-US" altLang="ko-KR" dirty="0" smtClean="0"/>
-              <a:t>: NCP(</a:t>
-            </a:r>
-            <a:r>
-              <a:rPr lang="ko-KR" altLang="en-US" dirty="0" smtClean="0"/>
-              <a:t>네이버 </a:t>
-            </a:r>
-            <a:r>
-              <a:rPr lang="ko-KR" altLang="en-US" dirty="0" err="1" smtClean="0"/>
-              <a:t>클라우드</a:t>
-            </a:r>
-            <a:r>
-              <a:rPr lang="ko-KR" altLang="en-US" dirty="0" smtClean="0"/>
-              <a:t> 플랫폼</a:t>
-            </a:r>
-            <a:r>
-              <a:rPr lang="en-US" altLang="ko-KR" dirty="0" smtClean="0"/>
-              <a:t>)</a:t>
-            </a:r>
-          </a:p>
-          <a:p>
-            <a:pPr lvl="1"/>
-            <a:r>
-              <a:rPr lang="ko-KR" altLang="en-US" dirty="0" smtClean="0"/>
-              <a:t>성과</a:t>
-            </a:r>
-            <a:r>
-              <a:rPr lang="en-US" altLang="ko-KR" dirty="0"/>
-              <a:t> </a:t>
-            </a:r>
-            <a:r>
-              <a:rPr lang="en-US" altLang="ko-KR" dirty="0" smtClean="0"/>
-              <a:t>: </a:t>
-            </a:r>
-            <a:r>
-              <a:rPr lang="ko-KR" altLang="en-US" dirty="0" smtClean="0"/>
-              <a:t>등록된 이미지에 대한 </a:t>
-            </a:r>
-            <a:r>
-              <a:rPr lang="en-US" altLang="ko-KR" dirty="0" smtClean="0"/>
-              <a:t>Multiple Detect </a:t>
-            </a:r>
-            <a:r>
-              <a:rPr lang="ko-KR" altLang="en-US" dirty="0" smtClean="0"/>
-              <a:t>가능 및 정확도 </a:t>
-            </a:r>
-            <a:r>
-              <a:rPr lang="en-US" altLang="ko-KR" dirty="0" smtClean="0"/>
-              <a:t>/ </a:t>
-            </a:r>
-            <a:r>
-              <a:rPr lang="ko-KR" altLang="en-US" dirty="0" smtClean="0"/>
-              <a:t>민감도 </a:t>
-            </a:r>
-            <a:r>
-              <a:rPr lang="en-US" altLang="ko-KR" dirty="0" smtClean="0"/>
-              <a:t>80% </a:t>
-            </a:r>
-            <a:r>
-              <a:rPr lang="ko-KR" altLang="en-US" dirty="0" smtClean="0"/>
-              <a:t>이상</a:t>
-            </a:r>
-            <a:endParaRPr lang="ko-KR" altLang="en-US" dirty="0"/>
-          </a:p>
-        </p:txBody>
-      </p:sp>
+        </p:nvPicPr>
+        <p:blipFill>
+          <a:blip r:embed="rId2">
+            <a:extLst>
+              <a:ext uri="{28A0092B-C50C-407E-A947-70E740481C1C}">
+                <a14:useLocalDpi xmlns:a14="http://schemas.microsoft.com/office/drawing/2010/main" val="0"/>
+              </a:ext>
+            </a:extLst>
+          </a:blip>
+          <a:stretch>
+            <a:fillRect/>
+          </a:stretch>
+        </p:blipFill>
+        <p:spPr>
+          <a:xfrm>
+            <a:off x="838200" y="2250084"/>
+            <a:ext cx="10515600" cy="3502420"/>
+          </a:xfrm>
+        </p:spPr>
+      </p:pic>
     </p:spTree>
     <p:extLst>
       <p:ext uri="{BB962C8B-B14F-4D97-AF65-F5344CB8AC3E}">
-        <p14:creationId xmlns:p14="http://schemas.microsoft.com/office/powerpoint/2010/main" val="1117678350"/>
+        <p14:creationId xmlns:p14="http://schemas.microsoft.com/office/powerpoint/2010/main" val="2582766782"/>
       </p:ext>
     </p:extLst>
   </p:cSld>
@@ -4639,7 +4006,624 @@
           <a:lstStyle/>
           <a:p>
             <a:r>
-              <a:rPr lang="en-US" altLang="ko-KR" dirty="0" smtClean="0"/>
+              <a:rPr lang="en-US" altLang="ko-KR" dirty="0"/>
+              <a:t>6. </a:t>
+            </a:r>
+            <a:r>
+              <a:rPr lang="ko-KR" altLang="en-US" dirty="0"/>
+              <a:t>공통 과제</a:t>
+            </a:r>
+            <a:r>
+              <a:rPr lang="en-US" altLang="ko-KR" dirty="0"/>
+              <a:t>(</a:t>
+            </a:r>
+            <a:r>
+              <a:rPr lang="ko-KR" altLang="en-US" dirty="0"/>
+              <a:t>경력 기술</a:t>
+            </a:r>
+            <a:r>
+              <a:rPr lang="en-US" altLang="ko-KR" dirty="0"/>
+              <a:t>)</a:t>
+            </a:r>
+            <a:endParaRPr lang="ko-KR" altLang="en-US" dirty="0"/>
+          </a:p>
+        </p:txBody>
+      </p:sp>
+      <p:sp>
+        <p:nvSpPr>
+          <p:cNvPr id="4" name="내용 개체 틀 3"/>
+          <p:cNvSpPr>
+            <a:spLocks noGrp="1"/>
+          </p:cNvSpPr>
+          <p:nvPr>
+            <p:ph idx="1"/>
+          </p:nvPr>
+        </p:nvSpPr>
+        <p:spPr/>
+        <p:txBody>
+          <a:bodyPr>
+            <a:normAutofit fontScale="62500" lnSpcReduction="20000"/>
+          </a:bodyPr>
+          <a:lstStyle/>
+          <a:p>
+            <a:pPr marL="514350" indent="-514350">
+              <a:buFont typeface="+mj-lt"/>
+              <a:buAutoNum type="arabicParenR"/>
+            </a:pPr>
+            <a:r>
+              <a:rPr lang="en-US" altLang="ko-KR" dirty="0"/>
+              <a:t>NDS(</a:t>
+            </a:r>
+            <a:r>
+              <a:rPr lang="ko-KR" altLang="en-US" dirty="0" err="1"/>
+              <a:t>농심데이터시스템</a:t>
+            </a:r>
+            <a:r>
+              <a:rPr lang="en-US" altLang="ko-KR" dirty="0"/>
+              <a:t>)</a:t>
+            </a:r>
+          </a:p>
+          <a:p>
+            <a:pPr lvl="1"/>
+            <a:r>
+              <a:rPr lang="ko-KR" altLang="en-US" dirty="0"/>
+              <a:t>주제 </a:t>
+            </a:r>
+            <a:r>
+              <a:rPr lang="en-US" altLang="ko-KR" dirty="0"/>
+              <a:t>: </a:t>
+            </a:r>
+            <a:r>
+              <a:rPr lang="ko-KR" altLang="en-US" dirty="0"/>
+              <a:t>마이 데이터 </a:t>
+            </a:r>
+            <a:r>
+              <a:rPr lang="en-US" altLang="ko-KR" dirty="0"/>
+              <a:t>/ </a:t>
+            </a:r>
+            <a:r>
+              <a:rPr lang="ko-KR" altLang="en-US" dirty="0" err="1"/>
+              <a:t>라이프월릿</a:t>
+            </a:r>
+            <a:r>
+              <a:rPr lang="ko-KR" altLang="en-US" dirty="0"/>
+              <a:t> 실증사업</a:t>
+            </a:r>
+            <a:endParaRPr lang="en-US" altLang="ko-KR" dirty="0"/>
+          </a:p>
+          <a:p>
+            <a:pPr lvl="1"/>
+            <a:r>
+              <a:rPr lang="ko-KR" altLang="en-US" dirty="0"/>
+              <a:t>담당업무 </a:t>
+            </a:r>
+            <a:r>
+              <a:rPr lang="en-US" altLang="ko-KR" dirty="0"/>
+              <a:t>: </a:t>
+            </a:r>
+            <a:r>
+              <a:rPr lang="ko-KR" altLang="en-US" dirty="0"/>
+              <a:t>클라우드 및 </a:t>
+            </a:r>
+            <a:r>
+              <a:rPr lang="ko-KR" altLang="en-US" dirty="0" err="1"/>
+              <a:t>백엔드</a:t>
+            </a:r>
+            <a:r>
+              <a:rPr lang="ko-KR" altLang="en-US" dirty="0"/>
+              <a:t> 구축 및 개발 </a:t>
+            </a:r>
+            <a:r>
+              <a:rPr lang="en-US" altLang="ko-KR" dirty="0"/>
+              <a:t>/ Object Detection </a:t>
+            </a:r>
+            <a:r>
+              <a:rPr lang="ko-KR" altLang="en-US" dirty="0"/>
+              <a:t>모델 생성 및 검증</a:t>
+            </a:r>
+            <a:endParaRPr lang="en-US" altLang="ko-KR" dirty="0"/>
+          </a:p>
+          <a:p>
+            <a:pPr lvl="1"/>
+            <a:r>
+              <a:rPr lang="ko-KR" altLang="en-US" dirty="0"/>
+              <a:t>데이터 </a:t>
+            </a:r>
+            <a:r>
+              <a:rPr lang="en-US" altLang="ko-KR" dirty="0"/>
+              <a:t>: </a:t>
+            </a:r>
+            <a:r>
+              <a:rPr lang="ko-KR" altLang="en-US" dirty="0"/>
+              <a:t>별도 수집한 식품 이미지</a:t>
+            </a:r>
+            <a:r>
+              <a:rPr lang="en-US" altLang="ko-KR" dirty="0"/>
+              <a:t>(</a:t>
+            </a:r>
+            <a:r>
+              <a:rPr lang="ko-KR" altLang="en-US" dirty="0"/>
+              <a:t>촬영 이미지</a:t>
+            </a:r>
+            <a:r>
+              <a:rPr lang="en-US" altLang="ko-KR" dirty="0"/>
+              <a:t>)</a:t>
+            </a:r>
+          </a:p>
+          <a:p>
+            <a:pPr lvl="1"/>
+            <a:r>
+              <a:rPr lang="ko-KR" altLang="en-US" dirty="0"/>
+              <a:t>사용 모델 </a:t>
+            </a:r>
+            <a:r>
+              <a:rPr lang="en-US" altLang="ko-KR" dirty="0"/>
+              <a:t>: YOLOv4 – Object Detection / </a:t>
+            </a:r>
+            <a:r>
+              <a:rPr lang="ko-KR" altLang="en-US" dirty="0"/>
+              <a:t>분석 서버 </a:t>
+            </a:r>
+            <a:r>
+              <a:rPr lang="en-US" altLang="ko-KR" dirty="0"/>
+              <a:t>: NCP(</a:t>
+            </a:r>
+            <a:r>
+              <a:rPr lang="ko-KR" altLang="en-US" dirty="0"/>
+              <a:t>네이버 클라우드 플랫폼</a:t>
+            </a:r>
+            <a:r>
+              <a:rPr lang="en-US" altLang="ko-KR" dirty="0"/>
+              <a:t>)</a:t>
+            </a:r>
+          </a:p>
+          <a:p>
+            <a:pPr lvl="1"/>
+            <a:r>
+              <a:rPr lang="ko-KR" altLang="en-US" dirty="0"/>
+              <a:t>성과</a:t>
+            </a:r>
+            <a:r>
+              <a:rPr lang="en-US" altLang="ko-KR" dirty="0"/>
+              <a:t> : </a:t>
+            </a:r>
+            <a:r>
+              <a:rPr lang="ko-KR" altLang="en-US" dirty="0"/>
+              <a:t>등록된 이미지에 대한 </a:t>
+            </a:r>
+            <a:r>
+              <a:rPr lang="en-US" altLang="ko-KR" dirty="0"/>
+              <a:t>Multiple Detect </a:t>
+            </a:r>
+            <a:r>
+              <a:rPr lang="ko-KR" altLang="en-US" dirty="0"/>
+              <a:t>가능 및 정확도 </a:t>
+            </a:r>
+            <a:r>
+              <a:rPr lang="en-US" altLang="ko-KR" dirty="0"/>
+              <a:t>/ </a:t>
+            </a:r>
+            <a:r>
+              <a:rPr lang="ko-KR" altLang="en-US" dirty="0"/>
+              <a:t>민감도 </a:t>
+            </a:r>
+            <a:r>
+              <a:rPr lang="en-US" altLang="ko-KR" dirty="0"/>
+              <a:t>80% </a:t>
+            </a:r>
+            <a:r>
+              <a:rPr lang="ko-KR" altLang="en-US" dirty="0"/>
+              <a:t>이상</a:t>
+            </a:r>
+            <a:endParaRPr lang="en-US" altLang="ko-KR" dirty="0"/>
+          </a:p>
+          <a:p>
+            <a:pPr marL="514350" indent="-514350">
+              <a:buFont typeface="+mj-lt"/>
+              <a:buAutoNum type="arabicParenR"/>
+            </a:pPr>
+            <a:r>
+              <a:rPr lang="ko-KR" altLang="en-US" dirty="0"/>
+              <a:t>지금 컴퍼니</a:t>
+            </a:r>
+            <a:endParaRPr lang="en-US" altLang="ko-KR" dirty="0"/>
+          </a:p>
+          <a:p>
+            <a:pPr lvl="1"/>
+            <a:r>
+              <a:rPr lang="ko-KR" altLang="en-US" dirty="0"/>
+              <a:t>주제 </a:t>
+            </a:r>
+            <a:r>
+              <a:rPr lang="en-US" altLang="ko-KR" dirty="0"/>
+              <a:t>: </a:t>
+            </a:r>
+            <a:r>
+              <a:rPr lang="ko-KR" altLang="en-US" dirty="0"/>
+              <a:t>사용자 라이프스타일에 최적화된 인공지능 스마트 홈</a:t>
+            </a:r>
+            <a:r>
+              <a:rPr lang="en-US" altLang="ko-KR" dirty="0"/>
+              <a:t>(</a:t>
+            </a:r>
+            <a:r>
+              <a:rPr lang="ko-KR" altLang="en-US" dirty="0">
+                <a:hlinkClick r:id="rId2"/>
+              </a:rPr>
+              <a:t>링크</a:t>
+            </a:r>
+            <a:r>
+              <a:rPr lang="en-US" altLang="ko-KR" dirty="0"/>
+              <a:t>)</a:t>
+            </a:r>
+          </a:p>
+          <a:p>
+            <a:pPr lvl="1"/>
+            <a:r>
+              <a:rPr lang="ko-KR" altLang="en-US" dirty="0"/>
+              <a:t>담당업무 </a:t>
+            </a:r>
+            <a:r>
+              <a:rPr lang="en-US" altLang="ko-KR" dirty="0"/>
+              <a:t>: </a:t>
+            </a:r>
+            <a:r>
+              <a:rPr lang="ko-KR" altLang="en-US" dirty="0"/>
+              <a:t>데이터 파이프라인</a:t>
+            </a:r>
+            <a:r>
+              <a:rPr lang="en-US" altLang="ko-KR" dirty="0"/>
+              <a:t>(+</a:t>
+            </a:r>
+            <a:r>
+              <a:rPr lang="ko-KR" altLang="en-US" dirty="0" err="1"/>
+              <a:t>백엔드</a:t>
+            </a:r>
+            <a:r>
+              <a:rPr lang="en-US" altLang="ko-KR" dirty="0"/>
+              <a:t>) </a:t>
+            </a:r>
+            <a:r>
+              <a:rPr lang="ko-KR" altLang="en-US" dirty="0"/>
+              <a:t>개발 구축 및 모델 검증</a:t>
+            </a:r>
+            <a:endParaRPr lang="en-US" altLang="ko-KR" dirty="0"/>
+          </a:p>
+          <a:p>
+            <a:pPr lvl="1"/>
+            <a:r>
+              <a:rPr lang="ko-KR" altLang="en-US" dirty="0"/>
+              <a:t>데이터 </a:t>
+            </a:r>
+            <a:r>
+              <a:rPr lang="en-US" altLang="ko-KR" dirty="0"/>
+              <a:t>: </a:t>
+            </a:r>
+            <a:r>
+              <a:rPr lang="ko-KR" altLang="en-US" dirty="0"/>
+              <a:t>디바이스의 상태 정보 데이터</a:t>
+            </a:r>
+            <a:r>
+              <a:rPr lang="en-US" altLang="ko-KR" dirty="0"/>
+              <a:t>, </a:t>
+            </a:r>
+            <a:r>
+              <a:rPr lang="ko-KR" altLang="en-US" dirty="0"/>
+              <a:t>제어 명령 로그</a:t>
+            </a:r>
+            <a:endParaRPr lang="en-US" altLang="ko-KR" dirty="0"/>
+          </a:p>
+          <a:p>
+            <a:pPr lvl="1"/>
+            <a:r>
+              <a:rPr lang="ko-KR" altLang="en-US" dirty="0"/>
+              <a:t>사용 모델 </a:t>
+            </a:r>
+            <a:r>
+              <a:rPr lang="en-US" altLang="ko-KR" dirty="0"/>
+              <a:t>: </a:t>
+            </a:r>
+            <a:r>
+              <a:rPr lang="ko-KR" altLang="en-US" dirty="0"/>
+              <a:t>클러스터링 모델</a:t>
+            </a:r>
+            <a:r>
+              <a:rPr lang="en-US" altLang="ko-KR" dirty="0"/>
+              <a:t>(K-means, Agglomerative Clustering) / </a:t>
+            </a:r>
+            <a:r>
+              <a:rPr lang="ko-KR" altLang="en-US" dirty="0"/>
+              <a:t>분석 서버 </a:t>
+            </a:r>
+            <a:r>
+              <a:rPr lang="en-US" altLang="ko-KR" dirty="0"/>
+              <a:t>: </a:t>
+            </a:r>
+            <a:r>
+              <a:rPr lang="ko-KR" altLang="en-US" dirty="0" err="1"/>
+              <a:t>온프레미스</a:t>
+            </a:r>
+            <a:r>
+              <a:rPr lang="ko-KR" altLang="en-US" dirty="0"/>
+              <a:t> </a:t>
+            </a:r>
+            <a:r>
+              <a:rPr lang="en-US" altLang="ko-KR" dirty="0" err="1"/>
+              <a:t>Jypyter</a:t>
+            </a:r>
+            <a:endParaRPr lang="en-US" altLang="ko-KR" dirty="0"/>
+          </a:p>
+          <a:p>
+            <a:pPr lvl="1"/>
+            <a:r>
+              <a:rPr lang="ko-KR" altLang="en-US" dirty="0"/>
+              <a:t>성과 </a:t>
+            </a:r>
+            <a:r>
+              <a:rPr lang="en-US" altLang="ko-KR" dirty="0"/>
+              <a:t>: </a:t>
+            </a:r>
+            <a:r>
+              <a:rPr lang="ko-KR" altLang="en-US" dirty="0"/>
+              <a:t>데이터를 기준으로 디바이스 스크립트 플랫폼 개발 </a:t>
+            </a:r>
+            <a:r>
+              <a:rPr lang="en-US" altLang="ko-KR" dirty="0"/>
+              <a:t>/ IBK </a:t>
+            </a:r>
+            <a:r>
+              <a:rPr lang="ko-KR" altLang="ko-KR" dirty="0"/>
+              <a:t>창공 마포</a:t>
+            </a:r>
+            <a:r>
+              <a:rPr lang="en-US" altLang="ko-KR" dirty="0"/>
+              <a:t> 3</a:t>
+            </a:r>
+            <a:r>
+              <a:rPr lang="ko-KR" altLang="ko-KR" dirty="0"/>
+              <a:t>기</a:t>
+            </a:r>
+            <a:r>
+              <a:rPr lang="en-US" altLang="ko-KR" dirty="0"/>
+              <a:t> </a:t>
+            </a:r>
+            <a:r>
+              <a:rPr lang="ko-KR" altLang="en-US" dirty="0"/>
+              <a:t>선정</a:t>
+            </a:r>
+            <a:endParaRPr lang="en-US" altLang="ko-KR" dirty="0"/>
+          </a:p>
+          <a:p>
+            <a:pPr marL="514350" indent="-514350">
+              <a:buFont typeface="+mj-lt"/>
+              <a:buAutoNum type="arabicParenR"/>
+            </a:pPr>
+            <a:r>
+              <a:rPr lang="ko-KR" altLang="en-US" dirty="0"/>
+              <a:t>성균관대학교 석사 졸업프로젝트</a:t>
+            </a:r>
+            <a:endParaRPr lang="en-US" altLang="ko-KR" dirty="0"/>
+          </a:p>
+          <a:p>
+            <a:pPr lvl="1"/>
+            <a:r>
+              <a:rPr lang="ko-KR" altLang="en-US" dirty="0"/>
+              <a:t>주제 </a:t>
+            </a:r>
+            <a:r>
+              <a:rPr lang="en-US" altLang="ko-KR" dirty="0"/>
+              <a:t>: </a:t>
+            </a:r>
+            <a:r>
+              <a:rPr lang="ko-KR" altLang="en-US" dirty="0"/>
+              <a:t>식물 질병 예측 및 사물 인식</a:t>
+            </a:r>
+            <a:r>
+              <a:rPr lang="en-US" altLang="ko-KR" dirty="0"/>
+              <a:t>(</a:t>
+            </a:r>
+            <a:r>
+              <a:rPr lang="ko-KR" altLang="en-US" dirty="0">
+                <a:hlinkClick r:id="rId3"/>
+              </a:rPr>
+              <a:t>링크</a:t>
+            </a:r>
+            <a:r>
+              <a:rPr lang="en-US" altLang="ko-KR" dirty="0"/>
+              <a:t>)</a:t>
+            </a:r>
+            <a:r>
+              <a:rPr lang="ko-KR" altLang="en-US" dirty="0"/>
+              <a:t> </a:t>
+            </a:r>
+            <a:endParaRPr lang="en-US" altLang="ko-KR" dirty="0"/>
+          </a:p>
+          <a:p>
+            <a:pPr lvl="1"/>
+            <a:r>
+              <a:rPr lang="ko-KR" altLang="en-US" dirty="0"/>
+              <a:t>담당업무 </a:t>
+            </a:r>
+            <a:r>
+              <a:rPr lang="en-US" altLang="ko-KR" dirty="0"/>
+              <a:t>: </a:t>
+            </a:r>
+            <a:r>
+              <a:rPr lang="ko-KR" altLang="en-US" dirty="0"/>
+              <a:t>모델 생성 및 소스 개발</a:t>
+            </a:r>
+            <a:endParaRPr lang="en-US" altLang="ko-KR" dirty="0"/>
+          </a:p>
+          <a:p>
+            <a:pPr lvl="1"/>
+            <a:r>
+              <a:rPr lang="ko-KR" altLang="en-US" dirty="0"/>
+              <a:t>데이터 </a:t>
+            </a:r>
+            <a:r>
+              <a:rPr lang="en-US" altLang="ko-KR" dirty="0"/>
+              <a:t>: Plant Pathology 2020 – FGVC7(Identify the category of foliar diseases in apple trees)</a:t>
+            </a:r>
+          </a:p>
+          <a:p>
+            <a:pPr lvl="1"/>
+            <a:r>
+              <a:rPr lang="ko-KR" altLang="en-US" dirty="0"/>
+              <a:t>사용 모델 </a:t>
+            </a:r>
+            <a:r>
+              <a:rPr lang="en-US" altLang="ko-KR" dirty="0"/>
+              <a:t>: </a:t>
+            </a:r>
+            <a:r>
+              <a:rPr lang="en-US" altLang="ko-KR" dirty="0" err="1"/>
+              <a:t>DenseNet</a:t>
+            </a:r>
+            <a:r>
+              <a:rPr lang="en-US" altLang="ko-KR" dirty="0"/>
+              <a:t>, </a:t>
+            </a:r>
+            <a:r>
+              <a:rPr lang="en-US" altLang="ko-KR" dirty="0" err="1"/>
+              <a:t>EfficientNet</a:t>
+            </a:r>
+            <a:r>
+              <a:rPr lang="en-US" altLang="ko-KR" dirty="0"/>
+              <a:t>(</a:t>
+            </a:r>
+            <a:r>
+              <a:rPr lang="ko-KR" altLang="en-US" dirty="0"/>
+              <a:t>앙상블</a:t>
+            </a:r>
+            <a:r>
+              <a:rPr lang="en-US" altLang="ko-KR" dirty="0"/>
+              <a:t>) / Augmentation : </a:t>
+            </a:r>
+            <a:r>
+              <a:rPr lang="en-US" altLang="ko-KR" dirty="0" err="1"/>
+              <a:t>Albumentations</a:t>
+            </a:r>
+            <a:r>
+              <a:rPr lang="en-US" altLang="ko-KR" dirty="0"/>
+              <a:t> / </a:t>
+            </a:r>
+            <a:r>
+              <a:rPr lang="ko-KR" altLang="en-US" dirty="0"/>
+              <a:t>분석 서버 </a:t>
+            </a:r>
+            <a:r>
+              <a:rPr lang="en-US" altLang="ko-KR" dirty="0"/>
+              <a:t>: </a:t>
+            </a:r>
+            <a:r>
+              <a:rPr lang="ko-KR" altLang="en-US" dirty="0"/>
+              <a:t>성대 서버</a:t>
+            </a:r>
+            <a:r>
+              <a:rPr lang="en-US" altLang="ko-KR"/>
+              <a:t>, Colab</a:t>
+            </a:r>
+            <a:endParaRPr lang="en-US" altLang="ko-KR" dirty="0"/>
+          </a:p>
+          <a:p>
+            <a:pPr lvl="1"/>
+            <a:r>
+              <a:rPr lang="ko-KR" altLang="en-US" dirty="0"/>
+              <a:t>성과 </a:t>
+            </a:r>
+            <a:r>
+              <a:rPr lang="en-US" altLang="ko-KR" dirty="0"/>
+              <a:t>: </a:t>
+            </a:r>
+            <a:r>
+              <a:rPr lang="ko-KR" altLang="en-US" dirty="0"/>
+              <a:t>정확도 </a:t>
+            </a:r>
+            <a:r>
+              <a:rPr lang="en-US" altLang="ko-KR" dirty="0"/>
+              <a:t>98.06%(</a:t>
+            </a:r>
+            <a:r>
+              <a:rPr lang="ko-KR" altLang="en-US" dirty="0" err="1"/>
+              <a:t>캐글</a:t>
+            </a:r>
+            <a:r>
+              <a:rPr lang="ko-KR" altLang="en-US" dirty="0"/>
+              <a:t> 기준으로 </a:t>
+            </a:r>
+            <a:r>
+              <a:rPr lang="en-US" altLang="ko-KR" dirty="0"/>
+              <a:t>8</a:t>
+            </a:r>
+            <a:r>
+              <a:rPr lang="ko-KR" altLang="en-US" dirty="0"/>
+              <a:t>위</a:t>
+            </a:r>
+            <a:r>
+              <a:rPr lang="en-US" altLang="ko-KR" dirty="0"/>
+              <a:t>-</a:t>
+            </a:r>
+            <a:r>
+              <a:rPr lang="ko-KR" altLang="en-US" dirty="0"/>
+              <a:t>종료시점 기준</a:t>
+            </a:r>
+            <a:r>
+              <a:rPr lang="en-US" altLang="ko-KR" dirty="0"/>
+              <a:t>)</a:t>
+            </a:r>
+          </a:p>
+        </p:txBody>
+      </p:sp>
+    </p:spTree>
+    <p:extLst>
+      <p:ext uri="{BB962C8B-B14F-4D97-AF65-F5344CB8AC3E}">
+        <p14:creationId xmlns:p14="http://schemas.microsoft.com/office/powerpoint/2010/main" val="1117678350"/>
+      </p:ext>
+    </p:extLst>
+  </p:cSld>
+  <p:clrMapOvr>
+    <a:masterClrMapping/>
+  </p:clrMapOvr>
+  <p:transition spd="slow">
+    <p:push dir="u"/>
+  </p:transition>
+</p:sld>
+</file>
+
+<file path=ppt/slides/slide15.xml><?xml version="1.0" encoding="utf-8"?>
+<p:sld xmlns:a="http://schemas.openxmlformats.org/drawingml/2006/main" xmlns:r="http://schemas.openxmlformats.org/officeDocument/2006/relationships" xmlns:p="http://schemas.openxmlformats.org/presentationml/2006/main">
+  <p:cSld>
+    <p:spTree>
+      <p:nvGrpSpPr>
+        <p:cNvPr id="1" name=""/>
+        <p:cNvGrpSpPr/>
+        <p:nvPr/>
+      </p:nvGrpSpPr>
+      <p:grpSpPr>
+        <a:xfrm>
+          <a:off x="0" y="0"/>
+          <a:ext cx="0" cy="0"/>
+          <a:chOff x="0" y="0"/>
+          <a:chExt cx="0" cy="0"/>
+        </a:xfrm>
+      </p:grpSpPr>
+      <p:sp>
+        <p:nvSpPr>
+          <p:cNvPr id="2" name="제목 1"/>
+          <p:cNvSpPr>
+            <a:spLocks noGrp="1"/>
+          </p:cNvSpPr>
+          <p:nvPr>
+            <p:ph type="title"/>
+          </p:nvPr>
+        </p:nvSpPr>
+        <p:spPr/>
+        <p:txBody>
+          <a:bodyPr/>
+          <a:lstStyle/>
+          <a:p>
+            <a:r>
+              <a:rPr lang="en-US" altLang="ko-KR" dirty="0"/>
               <a:t>Q&amp;A</a:t>
             </a:r>
             <a:endParaRPr lang="ko-KR" altLang="en-US" dirty="0"/>
@@ -4667,7 +4651,7 @@
               </a:lnSpc>
             </a:pPr>
             <a:r>
-              <a:rPr lang="ko-KR" altLang="en-US" dirty="0" smtClean="0"/>
+              <a:rPr lang="ko-KR" altLang="en-US" dirty="0"/>
               <a:t>소스 코드</a:t>
             </a:r>
             <a:r>
@@ -4684,7 +4668,6 @@
               <a:rPr lang="en-US" altLang="ko-KR" dirty="0"/>
               <a:t>)</a:t>
             </a:r>
-            <a:endParaRPr lang="en-US" altLang="ko-KR" dirty="0" smtClean="0"/>
           </a:p>
           <a:p>
             <a:pPr>
@@ -4693,10 +4676,10 @@
               </a:lnSpc>
             </a:pPr>
             <a:r>
-              <a:rPr lang="ko-KR" altLang="en-US" dirty="0" smtClean="0"/>
+              <a:rPr lang="ko-KR" altLang="en-US" dirty="0"/>
               <a:t>참조 코드</a:t>
             </a:r>
-            <a:endParaRPr lang="en-US" altLang="ko-KR" dirty="0" smtClean="0"/>
+            <a:endParaRPr lang="en-US" altLang="ko-KR" dirty="0"/>
           </a:p>
           <a:p>
             <a:pPr lvl="1">
@@ -4708,15 +4691,9 @@
               <a:rPr lang="en-US" altLang="ko-KR" dirty="0">
                 <a:hlinkClick r:id="rId3"/>
               </a:rPr>
-              <a:t>https://</a:t>
-            </a:r>
-            <a:r>
-              <a:rPr lang="en-US" altLang="ko-KR" dirty="0" smtClean="0">
-                <a:hlinkClick r:id="rId3"/>
-              </a:rPr>
-              <a:t>towardsdatascience.com/a-table-detection-cell-recognition-and-text-extraction-algorithm-to-convert-tables-to-excel-files-902edcf289ec</a:t>
-            </a:r>
-            <a:endParaRPr lang="en-US" altLang="ko-KR" dirty="0" smtClean="0"/>
+              <a:t>https://towardsdatascience.com/a-table-detection-cell-recognition-and-text-extraction-algorithm-to-convert-tables-to-excel-files-902edcf289ec</a:t>
+            </a:r>
+            <a:endParaRPr lang="en-US" altLang="ko-KR" dirty="0"/>
           </a:p>
           <a:p>
             <a:pPr lvl="1">
@@ -4728,15 +4705,9 @@
               <a:rPr lang="en-US" altLang="ko-KR" dirty="0">
                 <a:hlinkClick r:id="rId4"/>
               </a:rPr>
-              <a:t>https://</a:t>
-            </a:r>
-            <a:r>
-              <a:rPr lang="en-US" altLang="ko-KR" dirty="0" smtClean="0">
-                <a:hlinkClick r:id="rId4"/>
-              </a:rPr>
-              <a:t>hagler.tistory.com/189</a:t>
-            </a:r>
-            <a:endParaRPr lang="en-US" altLang="ko-KR" dirty="0" smtClean="0"/>
+              <a:t>https://hagler.tistory.com/189</a:t>
+            </a:r>
+            <a:endParaRPr lang="en-US" altLang="ko-KR" dirty="0"/>
           </a:p>
           <a:p>
             <a:pPr marL="457200" lvl="1" indent="0">
@@ -4795,14 +4766,13 @@
           <a:lstStyle/>
           <a:p>
             <a:r>
-              <a:rPr lang="en-US" altLang="ko-KR" dirty="0" smtClean="0"/>
+              <a:rPr lang="en-US" altLang="ko-KR" dirty="0"/>
               <a:t>1. 3) OCR </a:t>
             </a:r>
             <a:r>
-              <a:rPr lang="ko-KR" altLang="en-US" dirty="0" smtClean="0"/>
+              <a:rPr lang="ko-KR" altLang="en-US" dirty="0"/>
               <a:t>과제 선정 이유</a:t>
             </a:r>
-            <a:endParaRPr lang="ko-KR" altLang="en-US" dirty="0"/>
           </a:p>
         </p:txBody>
       </p:sp>
@@ -4823,7 +4793,39 @@
           </a:bodyPr>
           <a:lstStyle/>
           <a:p>
-            <a:pPr marL="514350" indent="-514350">
+            <a:pPr>
+              <a:lnSpc>
+                <a:spcPct val="150000"/>
+              </a:lnSpc>
+            </a:pPr>
+            <a:r>
+              <a:rPr lang="ko-KR" altLang="en-US" sz="2400" dirty="0"/>
+              <a:t>주제 </a:t>
+            </a:r>
+            <a:r>
+              <a:rPr lang="en-US" altLang="ko-KR" sz="2400" dirty="0"/>
+              <a:t>: </a:t>
+            </a:r>
+            <a:r>
+              <a:rPr lang="ko-KR" altLang="en-US" sz="2400" dirty="0"/>
+              <a:t>이미지 파일에서 체크박스를 찾고 체크 유무를 판단할 수 있는 처리 방법 제시 및 구현</a:t>
+            </a:r>
+            <a:endParaRPr lang="en-US" altLang="ko-KR" sz="2400" dirty="0"/>
+          </a:p>
+          <a:p>
+            <a:pPr>
+              <a:lnSpc>
+                <a:spcPct val="150000"/>
+              </a:lnSpc>
+            </a:pPr>
+            <a:r>
+              <a:rPr lang="ko-KR" altLang="en-US" sz="2400" dirty="0"/>
+              <a:t>선정이유</a:t>
+            </a:r>
+            <a:endParaRPr lang="en-US" altLang="ko-KR" sz="2400" dirty="0"/>
+          </a:p>
+          <a:p>
+            <a:pPr marL="971550" lvl="1" indent="-514350">
               <a:lnSpc>
                 <a:spcPct val="150000"/>
               </a:lnSpc>
@@ -4831,13 +4833,13 @@
               <a:buAutoNum type="arabicParenR"/>
             </a:pPr>
             <a:r>
-              <a:rPr lang="ko-KR" altLang="en-US" sz="2400" dirty="0" smtClean="0"/>
+              <a:rPr lang="ko-KR" altLang="en-US" sz="2000" dirty="0"/>
               <a:t>이미지 처리 모델 프로세스 경험 및 기술 공유</a:t>
             </a:r>
-            <a:endParaRPr lang="en-US" altLang="ko-KR" sz="2400" dirty="0" smtClean="0"/>
-          </a:p>
-          <a:p>
-            <a:pPr marL="514350" indent="-514350">
+            <a:endParaRPr lang="en-US" altLang="ko-KR" sz="2000" dirty="0"/>
+          </a:p>
+          <a:p>
+            <a:pPr marL="971550" lvl="1" indent="-514350">
               <a:lnSpc>
                 <a:spcPct val="150000"/>
               </a:lnSpc>
@@ -4845,13 +4847,21 @@
               <a:buAutoNum type="arabicParenR"/>
             </a:pPr>
             <a:r>
-              <a:rPr lang="ko-KR" altLang="en-US" sz="2400" dirty="0" smtClean="0"/>
-              <a:t>대외적으로 진행한 프로젝트의 관련된 비전 경험 및 기술 공유</a:t>
-            </a:r>
-            <a:endParaRPr lang="en-US" altLang="ko-KR" sz="2400" dirty="0" smtClean="0"/>
-          </a:p>
-          <a:p>
-            <a:pPr marL="514350" indent="-514350">
+              <a:rPr lang="ko-KR" altLang="en-US" sz="2000" dirty="0"/>
+              <a:t>프로젝트의 관련된 데이터 처리</a:t>
+            </a:r>
+            <a:r>
+              <a:rPr lang="en-US" altLang="ko-KR" sz="2000" dirty="0"/>
+              <a:t>/</a:t>
+            </a:r>
+            <a:r>
+              <a:rPr lang="ko-KR" altLang="en-US" sz="2000" dirty="0"/>
+              <a:t>분석 경험 및 기술 공유</a:t>
+            </a:r>
+            <a:endParaRPr lang="en-US" altLang="ko-KR" sz="2000" dirty="0"/>
+          </a:p>
+          <a:p>
+            <a:pPr marL="971550" lvl="1" indent="-514350">
               <a:lnSpc>
                 <a:spcPct val="150000"/>
               </a:lnSpc>
@@ -4859,30 +4869,17 @@
               <a:buAutoNum type="arabicParenR"/>
             </a:pPr>
             <a:r>
-              <a:rPr lang="ko-KR" altLang="en-US" sz="2400" dirty="0" smtClean="0"/>
-              <a:t>이미지 </a:t>
-            </a:r>
-            <a:r>
-              <a:rPr lang="ko-KR" altLang="en-US" sz="2400" dirty="0" smtClean="0"/>
-              <a:t>검출 및 </a:t>
-            </a:r>
-            <a:r>
-              <a:rPr lang="ko-KR" altLang="en-US" sz="2400" dirty="0" err="1" smtClean="0"/>
+              <a:rPr lang="ko-KR" altLang="en-US" sz="2000" dirty="0"/>
+              <a:t>객체 검출 및 </a:t>
+            </a:r>
+            <a:r>
+              <a:rPr lang="ko-KR" altLang="en-US" sz="2000" dirty="0" err="1"/>
               <a:t>픽쳐</a:t>
             </a:r>
             <a:r>
-              <a:rPr lang="ko-KR" altLang="en-US" sz="2400" dirty="0" smtClean="0"/>
-              <a:t> 엔지니어링에 대한 과정과 파이프라인에 대한 </a:t>
-            </a:r>
-            <a:r>
-              <a:rPr lang="ko-KR" altLang="en-US" sz="2400" dirty="0" smtClean="0"/>
-              <a:t>기술</a:t>
-            </a:r>
-            <a:r>
-              <a:rPr lang="ko-KR" altLang="en-US" sz="2400" dirty="0" smtClean="0"/>
-              <a:t> 공유</a:t>
-            </a:r>
-            <a:endParaRPr lang="ko-KR" altLang="en-US" sz="2400" dirty="0"/>
+              <a:rPr lang="ko-KR" altLang="en-US" sz="2000" dirty="0"/>
+              <a:t> 엔지니어링에 대한 과정과 파이프라인에 대한 기술 공유</a:t>
+            </a:r>
           </a:p>
         </p:txBody>
       </p:sp>
@@ -4935,22 +4932,21 @@
           <a:lstStyle/>
           <a:p>
             <a:r>
-              <a:rPr lang="en-US" altLang="ko-KR" dirty="0" smtClean="0"/>
+              <a:rPr lang="en-US" altLang="ko-KR" dirty="0"/>
               <a:t>2. </a:t>
             </a:r>
             <a:r>
-              <a:rPr lang="ko-KR" altLang="en-US" dirty="0" smtClean="0"/>
+              <a:rPr lang="ko-KR" altLang="en-US" dirty="0"/>
               <a:t>주제 </a:t>
             </a:r>
             <a:r>
-              <a:rPr lang="en-US" altLang="ko-KR" dirty="0" smtClean="0"/>
+              <a:rPr lang="en-US" altLang="ko-KR" dirty="0"/>
               <a:t>/ </a:t>
             </a:r>
             <a:r>
-              <a:rPr lang="ko-KR" altLang="en-US" dirty="0" smtClean="0"/>
+              <a:rPr lang="ko-KR" altLang="en-US" dirty="0"/>
               <a:t>목적</a:t>
             </a:r>
-            <a:endParaRPr lang="ko-KR" altLang="en-US" dirty="0"/>
           </a:p>
         </p:txBody>
       </p:sp>
@@ -4967,7 +4963,7 @@
         <p:spPr/>
         <p:txBody>
           <a:bodyPr>
-            <a:normAutofit fontScale="85000" lnSpcReduction="20000"/>
+            <a:normAutofit/>
           </a:bodyPr>
           <a:lstStyle/>
           <a:p>
@@ -4977,14 +4973,38 @@
               </a:lnSpc>
             </a:pPr>
             <a:r>
-              <a:rPr lang="ko-KR" altLang="en-US" dirty="0"/>
-              <a:t>이미지에서 체크박스를 찾고 체크 유무를 판단할 수 있는 처리 방법을 </a:t>
-            </a:r>
-            <a:r>
-              <a:rPr lang="ko-KR" altLang="en-US" dirty="0" smtClean="0"/>
-              <a:t>제시 및 구현</a:t>
-            </a:r>
-            <a:endParaRPr lang="en-US" altLang="ko-KR" dirty="0" smtClean="0"/>
+              <a:rPr lang="ko-KR" altLang="en-US" sz="2000" dirty="0"/>
+              <a:t>과제 목적</a:t>
+            </a:r>
+            <a:endParaRPr lang="en-US" altLang="ko-KR" sz="2000" dirty="0"/>
+          </a:p>
+          <a:p>
+            <a:pPr lvl="1">
+              <a:lnSpc>
+                <a:spcPct val="150000"/>
+              </a:lnSpc>
+              <a:buFont typeface="Wingdings" panose="05000000000000000000" pitchFamily="2" charset="2"/>
+              <a:buChar char="§"/>
+            </a:pPr>
+            <a:r>
+              <a:rPr lang="ko-KR" altLang="en-US" sz="1600" dirty="0"/>
+              <a:t>이미지에서 체크박스를 찾고 체크 유무를 판단 할 수 있는 처리 방법 제시 및 구현</a:t>
+            </a:r>
+            <a:endParaRPr lang="en-US" altLang="ko-KR" sz="1600" dirty="0"/>
+          </a:p>
+          <a:p>
+            <a:pPr lvl="1">
+              <a:lnSpc>
+                <a:spcPct val="150000"/>
+              </a:lnSpc>
+              <a:buFont typeface="Wingdings" panose="05000000000000000000" pitchFamily="2" charset="2"/>
+              <a:buChar char="§"/>
+            </a:pPr>
+            <a:r>
+              <a:rPr lang="ko-KR" altLang="en-US" sz="1600" dirty="0"/>
+              <a:t>이미지에서 테이블의 구조를 추출하고 연관관계를 도출 할 수 있는 방법을 제시 및 구현</a:t>
+            </a:r>
+            <a:endParaRPr lang="en-US" altLang="ko-KR" sz="1600" dirty="0"/>
           </a:p>
           <a:p>
             <a:pPr>
@@ -4993,106 +5013,92 @@
               </a:lnSpc>
             </a:pPr>
             <a:r>
-              <a:rPr lang="ko-KR" altLang="en-US" dirty="0"/>
-              <a:t>이미지에서 테이블의 구조를 추출하고 연관관계를 도출할 수 있는 방법을 </a:t>
-            </a:r>
-            <a:r>
-              <a:rPr lang="ko-KR" altLang="en-US" dirty="0" smtClean="0"/>
-              <a:t>제시 및 구현</a:t>
-            </a:r>
-            <a:endParaRPr lang="en-US" altLang="ko-KR" dirty="0" smtClean="0"/>
-          </a:p>
-          <a:p>
-            <a:pPr>
-              <a:lnSpc>
-                <a:spcPct val="150000"/>
-              </a:lnSpc>
-            </a:pPr>
-            <a:r>
-              <a:rPr lang="ko-KR" altLang="en-US" dirty="0" smtClean="0"/>
-              <a:t>분석 프로세스에 대한 구조 발표</a:t>
-            </a:r>
-            <a:endParaRPr lang="en-US" altLang="ko-KR" dirty="0"/>
+              <a:rPr lang="ko-KR" altLang="en-US" sz="2000" dirty="0"/>
+              <a:t>분석 프로세스 구조</a:t>
+            </a:r>
+            <a:endParaRPr lang="en-US" altLang="ko-KR" sz="2000" dirty="0"/>
           </a:p>
           <a:p>
             <a:pPr lvl="1">
               <a:lnSpc>
                 <a:spcPct val="150000"/>
               </a:lnSpc>
+              <a:buFont typeface="Wingdings" panose="05000000000000000000" pitchFamily="2" charset="2"/>
+              <a:buChar char="§"/>
             </a:pPr>
             <a:r>
-              <a:rPr lang="ko-KR" altLang="en-US" dirty="0" smtClean="0"/>
+              <a:rPr lang="ko-KR" altLang="en-US" sz="1800" dirty="0"/>
               <a:t>사전 작업</a:t>
             </a:r>
-            <a:endParaRPr lang="en-US" altLang="ko-KR" dirty="0"/>
+            <a:endParaRPr lang="en-US" altLang="ko-KR" sz="1800" dirty="0"/>
           </a:p>
           <a:p>
             <a:pPr lvl="1">
               <a:lnSpc>
                 <a:spcPct val="150000"/>
               </a:lnSpc>
+              <a:buFont typeface="Wingdings" panose="05000000000000000000" pitchFamily="2" charset="2"/>
+              <a:buChar char="§"/>
             </a:pPr>
             <a:r>
-              <a:rPr lang="ko-KR" altLang="en-US" dirty="0" smtClean="0"/>
+              <a:rPr lang="ko-KR" altLang="en-US" sz="1800" dirty="0"/>
               <a:t>진행과정 </a:t>
             </a:r>
             <a:r>
-              <a:rPr lang="en-US" altLang="ko-KR" dirty="0" smtClean="0"/>
+              <a:rPr lang="en-US" altLang="ko-KR" sz="1800" dirty="0"/>
               <a:t>: </a:t>
             </a:r>
             <a:r>
-              <a:rPr lang="ko-KR" altLang="en-US" dirty="0"/>
-              <a:t>학습 데이터 </a:t>
-            </a:r>
-            <a:r>
-              <a:rPr lang="ko-KR" altLang="en-US" dirty="0" smtClean="0"/>
-              <a:t>특성</a:t>
-            </a:r>
-            <a:r>
-              <a:rPr lang="en-US" altLang="ko-KR" dirty="0" smtClean="0"/>
+              <a:rPr lang="ko-KR" altLang="en-US" sz="1800" dirty="0"/>
+              <a:t>학습 데이터 특성</a:t>
+            </a:r>
+            <a:r>
+              <a:rPr lang="en-US" altLang="ko-KR" sz="1800" dirty="0"/>
               <a:t>, </a:t>
             </a:r>
             <a:r>
-              <a:rPr lang="ko-KR" altLang="en-US" dirty="0" smtClean="0"/>
+              <a:rPr lang="ko-KR" altLang="en-US" sz="1800" dirty="0"/>
               <a:t>전처리 작업</a:t>
             </a:r>
             <a:r>
-              <a:rPr lang="en-US" altLang="ko-KR" dirty="0" smtClean="0"/>
+              <a:rPr lang="en-US" altLang="ko-KR" sz="1800" dirty="0"/>
               <a:t>, </a:t>
             </a:r>
             <a:r>
-              <a:rPr lang="ko-KR" altLang="en-US" dirty="0" smtClean="0"/>
+              <a:rPr lang="ko-KR" altLang="en-US" sz="1800" dirty="0"/>
               <a:t>모델 선정</a:t>
             </a:r>
             <a:r>
-              <a:rPr lang="en-US" altLang="ko-KR" dirty="0" smtClean="0"/>
+              <a:rPr lang="en-US" altLang="ko-KR" sz="1800" dirty="0"/>
               <a:t>, </a:t>
             </a:r>
             <a:r>
-              <a:rPr lang="ko-KR" altLang="en-US" dirty="0" smtClean="0"/>
+              <a:rPr lang="ko-KR" altLang="en-US" sz="1800" dirty="0"/>
               <a:t>평가</a:t>
             </a:r>
             <a:r>
-              <a:rPr lang="en-US" altLang="ko-KR" dirty="0" smtClean="0"/>
+              <a:rPr lang="en-US" altLang="ko-KR" sz="1800" dirty="0"/>
               <a:t>, </a:t>
             </a:r>
             <a:r>
-              <a:rPr lang="ko-KR" altLang="en-US" dirty="0" smtClean="0"/>
+              <a:rPr lang="ko-KR" altLang="en-US" sz="1800" dirty="0"/>
               <a:t>피드백</a:t>
             </a:r>
-            <a:endParaRPr lang="en-US" altLang="ko-KR" dirty="0"/>
+            <a:endParaRPr lang="en-US" altLang="ko-KR" sz="1800" dirty="0"/>
           </a:p>
           <a:p>
             <a:pPr lvl="1">
               <a:lnSpc>
                 <a:spcPct val="150000"/>
               </a:lnSpc>
+              <a:buFont typeface="Wingdings" panose="05000000000000000000" pitchFamily="2" charset="2"/>
+              <a:buChar char="§"/>
             </a:pPr>
             <a:r>
-              <a:rPr lang="ko-KR" altLang="en-US" dirty="0" smtClean="0"/>
+              <a:rPr lang="ko-KR" altLang="en-US" sz="1800" dirty="0"/>
               <a:t>결과</a:t>
             </a:r>
-            <a:endParaRPr lang="en-US" altLang="ko-KR" dirty="0" smtClean="0"/>
+            <a:endParaRPr lang="en-US" altLang="ko-KR" sz="1800" dirty="0"/>
           </a:p>
         </p:txBody>
       </p:sp>
@@ -5145,22 +5151,21 @@
           <a:lstStyle/>
           <a:p>
             <a:r>
-              <a:rPr lang="en-US" altLang="ko-KR" dirty="0" smtClean="0"/>
+              <a:rPr lang="en-US" altLang="ko-KR" dirty="0"/>
               <a:t>2. </a:t>
             </a:r>
             <a:r>
-              <a:rPr lang="ko-KR" altLang="en-US" dirty="0" smtClean="0"/>
+              <a:rPr lang="ko-KR" altLang="en-US" dirty="0"/>
               <a:t>주제 </a:t>
             </a:r>
             <a:r>
-              <a:rPr lang="en-US" altLang="ko-KR" dirty="0" smtClean="0"/>
+              <a:rPr lang="en-US" altLang="ko-KR" dirty="0"/>
               <a:t>/ </a:t>
             </a:r>
             <a:r>
-              <a:rPr lang="ko-KR" altLang="en-US" dirty="0" smtClean="0"/>
+              <a:rPr lang="ko-KR" altLang="en-US" dirty="0"/>
               <a:t>목적</a:t>
             </a:r>
-            <a:endParaRPr lang="ko-KR" altLang="en-US" dirty="0"/>
           </a:p>
         </p:txBody>
       </p:sp>
@@ -5176,7 +5181,9 @@
         </p:nvSpPr>
         <p:spPr/>
         <p:txBody>
-          <a:bodyPr/>
+          <a:bodyPr>
+            <a:normAutofit/>
+          </a:bodyPr>
           <a:lstStyle/>
           <a:p>
             <a:pPr>
@@ -5185,30 +5192,29 @@
               </a:lnSpc>
             </a:pPr>
             <a:r>
-              <a:rPr lang="en-US" altLang="ko-KR" dirty="0" smtClean="0"/>
+              <a:rPr lang="en-US" altLang="ko-KR" sz="2400" dirty="0"/>
               <a:t>OCR </a:t>
             </a:r>
             <a:r>
-              <a:rPr lang="ko-KR" altLang="en-US" dirty="0" smtClean="0"/>
+              <a:rPr lang="ko-KR" altLang="en-US" sz="2400" dirty="0"/>
               <a:t>과제 </a:t>
             </a:r>
             <a:r>
-              <a:rPr lang="en-US" altLang="ko-KR" dirty="0" smtClean="0"/>
+              <a:rPr lang="en-US" altLang="ko-KR" sz="2400" dirty="0"/>
               <a:t>: </a:t>
             </a:r>
             <a:r>
-              <a:rPr lang="ko-KR" altLang="en-US" dirty="0" smtClean="0"/>
+              <a:rPr lang="ko-KR" altLang="en-US" sz="2400" dirty="0"/>
               <a:t>예제</a:t>
             </a:r>
             <a:r>
-              <a:rPr lang="en-US" altLang="ko-KR" dirty="0" smtClean="0"/>
+              <a:rPr lang="en-US" altLang="ko-KR" sz="2400" dirty="0"/>
               <a:t>1</a:t>
             </a:r>
             <a:r>
-              <a:rPr lang="ko-KR" altLang="en-US" dirty="0" smtClean="0"/>
+              <a:rPr lang="ko-KR" altLang="en-US" sz="2400" dirty="0"/>
               <a:t>의 금융거래 목적 확인서 처리</a:t>
             </a:r>
-            <a:endParaRPr lang="ko-KR" altLang="en-US" dirty="0"/>
           </a:p>
         </p:txBody>
       </p:sp>
@@ -5367,17 +5373,12 @@
           <a:p>
             <a:r>
               <a:rPr lang="en-US" altLang="ko-KR" dirty="0"/>
-              <a:t>3</a:t>
-            </a:r>
-            <a:r>
-              <a:rPr lang="en-US" altLang="ko-KR" dirty="0" smtClean="0"/>
-              <a:t>. </a:t>
-            </a:r>
-            <a:r>
-              <a:rPr lang="ko-KR" altLang="en-US" dirty="0" smtClean="0"/>
+              <a:t>3. </a:t>
+            </a:r>
+            <a:r>
+              <a:rPr lang="ko-KR" altLang="en-US" dirty="0"/>
               <a:t>사전 작업</a:t>
             </a:r>
-            <a:endParaRPr lang="ko-KR" altLang="en-US" dirty="0"/>
           </a:p>
         </p:txBody>
       </p:sp>
@@ -5755,7 +5756,7 @@
           <a:p>
             <a:pPr algn="ctr"/>
             <a:r>
-              <a:rPr lang="en-US" altLang="ko-KR" dirty="0" smtClean="0">
+              <a:rPr lang="en-US" altLang="ko-KR" dirty="0">
                 <a:solidFill>
                   <a:srgbClr val="FF0000"/>
                 </a:solidFill>
@@ -5813,7 +5814,7 @@
           <a:p>
             <a:pPr algn="ctr"/>
             <a:r>
-              <a:rPr lang="en-US" altLang="ko-KR" dirty="0" smtClean="0">
+              <a:rPr lang="en-US" altLang="ko-KR" dirty="0">
                 <a:solidFill>
                   <a:srgbClr val="FF0000"/>
                 </a:solidFill>
@@ -5871,7 +5872,7 @@
           <a:p>
             <a:pPr algn="ctr"/>
             <a:r>
-              <a:rPr lang="en-US" altLang="ko-KR" dirty="0" smtClean="0">
+              <a:rPr lang="en-US" altLang="ko-KR" dirty="0">
                 <a:solidFill>
                   <a:srgbClr val="FF0000"/>
                 </a:solidFill>
@@ -5929,7 +5930,7 @@
           <a:p>
             <a:pPr algn="ctr"/>
             <a:r>
-              <a:rPr lang="en-US" altLang="ko-KR" dirty="0" smtClean="0">
+              <a:rPr lang="en-US" altLang="ko-KR" dirty="0">
                 <a:solidFill>
                   <a:srgbClr val="FF0000"/>
                 </a:solidFill>
@@ -5987,7 +5988,7 @@
           <a:p>
             <a:pPr algn="ctr"/>
             <a:r>
-              <a:rPr lang="en-US" altLang="ko-KR" dirty="0" smtClean="0">
+              <a:rPr lang="en-US" altLang="ko-KR" dirty="0">
                 <a:solidFill>
                   <a:srgbClr val="FF0000"/>
                 </a:solidFill>
@@ -6045,7 +6046,7 @@
           <a:p>
             <a:pPr algn="ctr"/>
             <a:r>
-              <a:rPr lang="en-US" altLang="ko-KR" dirty="0" smtClean="0">
+              <a:rPr lang="en-US" altLang="ko-KR" dirty="0">
                 <a:solidFill>
                   <a:srgbClr val="FF0000"/>
                 </a:solidFill>
@@ -6266,17 +6267,12 @@
           <a:p>
             <a:r>
               <a:rPr lang="en-US" altLang="ko-KR" dirty="0"/>
-              <a:t>4</a:t>
-            </a:r>
-            <a:r>
-              <a:rPr lang="en-US" altLang="ko-KR" dirty="0" smtClean="0"/>
-              <a:t>. </a:t>
-            </a:r>
-            <a:r>
-              <a:rPr lang="ko-KR" altLang="en-US" dirty="0" smtClean="0"/>
+              <a:t>4. </a:t>
+            </a:r>
+            <a:r>
+              <a:rPr lang="ko-KR" altLang="en-US" dirty="0"/>
               <a:t>진행과정</a:t>
             </a:r>
-            <a:endParaRPr lang="ko-KR" altLang="en-US" dirty="0"/>
           </a:p>
         </p:txBody>
       </p:sp>
@@ -6297,157 +6293,191 @@
           </a:xfrm>
         </p:spPr>
         <p:txBody>
-          <a:bodyPr/>
+          <a:bodyPr>
+            <a:normAutofit/>
+          </a:bodyPr>
           <a:lstStyle/>
           <a:p>
             <a:pPr marL="514350" indent="-514350">
+              <a:lnSpc>
+                <a:spcPct val="100000"/>
+              </a:lnSpc>
               <a:buFont typeface="+mj-lt"/>
               <a:buAutoNum type="arabicParenR"/>
             </a:pPr>
             <a:r>
-              <a:rPr lang="ko-KR" altLang="en-US" dirty="0" smtClean="0"/>
+              <a:rPr lang="ko-KR" altLang="en-US" sz="2400" dirty="0"/>
               <a:t>학습 데이터 특성</a:t>
             </a:r>
-            <a:endParaRPr lang="en-US" altLang="ko-KR" dirty="0" smtClean="0"/>
+            <a:endParaRPr lang="en-US" altLang="ko-KR" sz="2400" dirty="0"/>
           </a:p>
           <a:p>
             <a:pPr marL="971550" lvl="1" indent="-514350">
+              <a:lnSpc>
+                <a:spcPct val="120000"/>
+              </a:lnSpc>
               <a:buFont typeface="+mj-ea"/>
               <a:buAutoNum type="circleNumDbPlain"/>
             </a:pPr>
             <a:r>
-              <a:rPr lang="ko-KR" altLang="en-US" dirty="0" smtClean="0"/>
+              <a:rPr lang="ko-KR" altLang="en-US" sz="2000" dirty="0"/>
               <a:t>금융거래목적</a:t>
             </a:r>
             <a:r>
-              <a:rPr lang="en-US" altLang="ko-KR" dirty="0" smtClean="0"/>
+              <a:rPr lang="en-US" altLang="ko-KR" sz="2000" dirty="0"/>
               <a:t>(0,1)</a:t>
             </a:r>
           </a:p>
           <a:p>
-            <a:pPr marL="457200" lvl="1" indent="0">
+            <a:pPr marL="914400" lvl="2" indent="0">
+              <a:lnSpc>
+                <a:spcPct val="120000"/>
+              </a:lnSpc>
               <a:buNone/>
             </a:pPr>
             <a:r>
-              <a:rPr lang="en-US" altLang="ko-KR" dirty="0"/>
-              <a:t>	</a:t>
-            </a:r>
-            <a:r>
-              <a:rPr lang="ko-KR" altLang="en-US" dirty="0" smtClean="0"/>
-              <a:t>순서 구분 없는 </a:t>
-            </a:r>
-            <a:r>
-              <a:rPr lang="en-US" altLang="ko-KR" dirty="0" smtClean="0"/>
-              <a:t>True, False</a:t>
-            </a:r>
+              <a:rPr lang="en-US" altLang="ko-KR" sz="1600" dirty="0"/>
+              <a:t>5</a:t>
+            </a:r>
+            <a:r>
+              <a:rPr lang="ko-KR" altLang="en-US" sz="1600" dirty="0"/>
+              <a:t>개의 체크박스</a:t>
+            </a:r>
+            <a:r>
+              <a:rPr lang="en-US" altLang="ko-KR" sz="1600" dirty="0"/>
+              <a:t>(True, False) </a:t>
+            </a:r>
+            <a:r>
+              <a:rPr lang="ko-KR" altLang="en-US" sz="1600" dirty="0"/>
+              <a:t>중</a:t>
+            </a:r>
+            <a:r>
+              <a:rPr lang="en-US" altLang="ko-KR" sz="1600" dirty="0"/>
+              <a:t> </a:t>
+            </a:r>
+            <a:r>
+              <a:rPr lang="ko-KR" altLang="en-US" sz="1600" dirty="0"/>
+              <a:t>한 개 검출</a:t>
+            </a:r>
+            <a:endParaRPr lang="en-US" altLang="ko-KR" sz="1600" dirty="0"/>
           </a:p>
           <a:p>
             <a:pPr marL="971550" lvl="1" indent="-514350">
+              <a:lnSpc>
+                <a:spcPct val="120000"/>
+              </a:lnSpc>
               <a:buFont typeface="+mj-ea"/>
               <a:buAutoNum type="circleNumDbPlain" startAt="2"/>
             </a:pPr>
             <a:r>
-              <a:rPr lang="ko-KR" altLang="en-US" dirty="0" smtClean="0"/>
+              <a:rPr lang="ko-KR" altLang="en-US" sz="2000" dirty="0"/>
               <a:t>고객확인사항</a:t>
             </a:r>
             <a:r>
-              <a:rPr lang="en-US" altLang="ko-KR" dirty="0" smtClean="0"/>
+              <a:rPr lang="en-US" altLang="ko-KR" sz="2000" dirty="0"/>
               <a:t>(0,1)</a:t>
             </a:r>
           </a:p>
           <a:p>
-            <a:pPr marL="457200" lvl="1" indent="0">
+            <a:pPr marL="914400" lvl="2" indent="0">
+              <a:lnSpc>
+                <a:spcPct val="120000"/>
+              </a:lnSpc>
               <a:buNone/>
             </a:pPr>
             <a:r>
-              <a:rPr lang="en-US" altLang="ko-KR" dirty="0"/>
-              <a:t>	</a:t>
-            </a:r>
-            <a:r>
-              <a:rPr lang="ko-KR" altLang="en-US" dirty="0" smtClean="0"/>
-              <a:t>순서 구분 없는 </a:t>
-            </a:r>
-            <a:r>
-              <a:rPr lang="en-US" altLang="ko-KR" dirty="0" smtClean="0"/>
-              <a:t>True, False</a:t>
-            </a:r>
+              <a:rPr lang="en-US" altLang="ko-KR" sz="1600" dirty="0"/>
+              <a:t>10</a:t>
+            </a:r>
+            <a:r>
+              <a:rPr lang="ko-KR" altLang="en-US" sz="1600" dirty="0"/>
+              <a:t>개의 선택지의 체크박스</a:t>
+            </a:r>
+            <a:r>
+              <a:rPr lang="en-US" altLang="ko-KR" sz="1600" dirty="0"/>
+              <a:t>(True, False) </a:t>
+            </a:r>
+            <a:r>
+              <a:rPr lang="ko-KR" altLang="en-US" sz="1600" dirty="0"/>
+              <a:t>중 선택한 다수의 값 출력</a:t>
+            </a:r>
+            <a:endParaRPr lang="en-US" altLang="ko-KR" sz="1600" dirty="0"/>
           </a:p>
           <a:p>
             <a:pPr marL="971550" lvl="1" indent="-514350">
+              <a:lnSpc>
+                <a:spcPct val="120000"/>
+              </a:lnSpc>
               <a:buFont typeface="+mj-ea"/>
               <a:buAutoNum type="circleNumDbPlain" startAt="3"/>
             </a:pPr>
             <a:r>
-              <a:rPr lang="ko-KR" altLang="en-US" dirty="0" smtClean="0"/>
+              <a:rPr lang="ko-KR" altLang="en-US" sz="2000" dirty="0"/>
               <a:t>공통</a:t>
             </a:r>
             <a:r>
-              <a:rPr lang="en-US" altLang="ko-KR" dirty="0" smtClean="0"/>
+              <a:rPr lang="en-US" altLang="ko-KR" sz="2000" dirty="0"/>
               <a:t>(0,1,2)</a:t>
             </a:r>
           </a:p>
           <a:p>
-            <a:pPr marL="457200" lvl="1" indent="0">
+            <a:pPr marL="914400" lvl="2" indent="0">
+              <a:lnSpc>
+                <a:spcPct val="120000"/>
+              </a:lnSpc>
               <a:buNone/>
             </a:pPr>
             <a:r>
-              <a:rPr lang="en-US" altLang="ko-KR" dirty="0" smtClean="0"/>
-              <a:t>	</a:t>
-            </a:r>
-            <a:r>
-              <a:rPr lang="ko-KR" altLang="en-US" dirty="0" smtClean="0"/>
-              <a:t>순서 구분 있는 </a:t>
-            </a:r>
-            <a:r>
-              <a:rPr lang="en-US" altLang="ko-KR" dirty="0" smtClean="0"/>
-              <a:t>True, False</a:t>
-            </a:r>
-          </a:p>
-          <a:p>
-            <a:pPr marL="457200" lvl="1" indent="0">
-              <a:buNone/>
-            </a:pPr>
-            <a:r>
-              <a:rPr lang="en-US" altLang="ko-KR" dirty="0"/>
-              <a:t>	</a:t>
-            </a:r>
-            <a:r>
-              <a:rPr lang="en-US" altLang="ko-KR" dirty="0" smtClean="0"/>
-              <a:t>+ Not True</a:t>
-            </a:r>
+              <a:rPr lang="ko-KR" altLang="en-US" sz="1600" dirty="0"/>
+              <a:t>체크박스</a:t>
+            </a:r>
+            <a:r>
+              <a:rPr lang="en-US" altLang="ko-KR" sz="1600" dirty="0"/>
+              <a:t>(True, False) + </a:t>
+            </a:r>
+            <a:r>
+              <a:rPr lang="ko-KR" altLang="en-US" sz="1600" dirty="0"/>
+              <a:t>체크 후 수정</a:t>
+            </a:r>
+            <a:endParaRPr lang="en-US" altLang="ko-KR" sz="1600" dirty="0"/>
           </a:p>
           <a:p>
             <a:pPr marL="971550" lvl="1" indent="-514350">
+              <a:lnSpc>
+                <a:spcPct val="120000"/>
+              </a:lnSpc>
               <a:buFont typeface="+mj-ea"/>
               <a:buAutoNum type="circleNumDbPlain" startAt="4"/>
             </a:pPr>
             <a:r>
-              <a:rPr lang="ko-KR" altLang="en-US" dirty="0" smtClean="0"/>
+              <a:rPr lang="ko-KR" altLang="en-US" sz="2000" dirty="0"/>
               <a:t>고객 확인</a:t>
             </a:r>
             <a:r>
-              <a:rPr lang="en-US" altLang="ko-KR" dirty="0" smtClean="0"/>
+              <a:rPr lang="en-US" altLang="ko-KR" sz="2000" dirty="0"/>
               <a:t>(0,1)</a:t>
             </a:r>
-            <a:endParaRPr lang="en-US" altLang="ko-KR" dirty="0"/>
-          </a:p>
-          <a:p>
-            <a:pPr marL="457200" lvl="1" indent="0">
+          </a:p>
+          <a:p>
+            <a:pPr marL="914400" lvl="2" indent="0">
+              <a:lnSpc>
+                <a:spcPct val="120000"/>
+              </a:lnSpc>
               <a:buNone/>
             </a:pPr>
             <a:r>
-              <a:rPr lang="en-US" altLang="ko-KR" dirty="0"/>
-              <a:t>	</a:t>
-            </a:r>
-            <a:r>
-              <a:rPr lang="ko-KR" altLang="en-US" dirty="0" smtClean="0"/>
-              <a:t>순서 구분 없는 </a:t>
-            </a:r>
-            <a:r>
-              <a:rPr lang="en-US" altLang="ko-KR" dirty="0" smtClean="0"/>
-              <a:t>True, False</a:t>
-            </a:r>
-            <a:endParaRPr lang="en-US" altLang="ko-KR" dirty="0"/>
+              <a:rPr lang="ko-KR" altLang="en-US" sz="1600" dirty="0"/>
+              <a:t>다양한 방식의 체크박스</a:t>
+            </a:r>
+            <a:r>
+              <a:rPr lang="en-US" altLang="ko-KR" sz="1600" dirty="0"/>
+              <a:t>(True, False) </a:t>
+            </a:r>
+            <a:r>
+              <a:rPr lang="ko-KR" altLang="en-US" sz="1600" dirty="0"/>
+              <a:t>검출</a:t>
+            </a:r>
+            <a:endParaRPr lang="en-US" altLang="ko-KR" sz="1400" dirty="0"/>
           </a:p>
         </p:txBody>
       </p:sp>
@@ -6727,7 +6757,7 @@
             <a:p>
               <a:pPr algn="ctr"/>
               <a:r>
-                <a:rPr lang="en-US" altLang="ko-KR" dirty="0" smtClean="0">
+                <a:rPr lang="en-US" altLang="ko-KR" dirty="0">
                   <a:solidFill>
                     <a:srgbClr val="FF0000"/>
                   </a:solidFill>
@@ -6785,7 +6815,7 @@
             <a:p>
               <a:pPr algn="ctr"/>
               <a:r>
-                <a:rPr lang="en-US" altLang="ko-KR" dirty="0" smtClean="0">
+                <a:rPr lang="en-US" altLang="ko-KR" dirty="0">
                   <a:solidFill>
                     <a:srgbClr val="FF0000"/>
                   </a:solidFill>
@@ -6843,7 +6873,7 @@
             <a:p>
               <a:pPr algn="ctr"/>
               <a:r>
-                <a:rPr lang="en-US" altLang="ko-KR" dirty="0" smtClean="0">
+                <a:rPr lang="en-US" altLang="ko-KR" dirty="0">
                   <a:solidFill>
                     <a:srgbClr val="FF0000"/>
                   </a:solidFill>
@@ -6950,83 +6980,15 @@
           <a:chExt cx="0" cy="0"/>
         </a:xfrm>
       </p:grpSpPr>
-      <p:sp>
-        <p:nvSpPr>
-          <p:cNvPr id="2" name="제목 1"/>
-          <p:cNvSpPr>
-            <a:spLocks noGrp="1"/>
-          </p:cNvSpPr>
-          <p:nvPr>
-            <p:ph type="title"/>
-          </p:nvPr>
-        </p:nvSpPr>
-        <p:spPr/>
-        <p:txBody>
-          <a:bodyPr/>
-          <a:lstStyle/>
-          <a:p>
-            <a:r>
-              <a:rPr lang="en-US" altLang="ko-KR" dirty="0"/>
-              <a:t>4</a:t>
-            </a:r>
-            <a:r>
-              <a:rPr lang="en-US" altLang="ko-KR" dirty="0" smtClean="0"/>
-              <a:t>. </a:t>
-            </a:r>
-            <a:r>
-              <a:rPr lang="ko-KR" altLang="en-US" dirty="0" smtClean="0"/>
-              <a:t>진행과정</a:t>
-            </a:r>
-            <a:endParaRPr lang="ko-KR" altLang="en-US" dirty="0"/>
-          </a:p>
-        </p:txBody>
-      </p:sp>
-      <p:sp>
-        <p:nvSpPr>
-          <p:cNvPr id="3" name="내용 개체 틀 2"/>
-          <p:cNvSpPr>
-            <a:spLocks noGrp="1"/>
-          </p:cNvSpPr>
-          <p:nvPr>
-            <p:ph idx="1"/>
-          </p:nvPr>
-        </p:nvSpPr>
-        <p:spPr/>
-        <p:txBody>
-          <a:bodyPr/>
-          <a:lstStyle/>
-          <a:p>
-            <a:pPr marL="514350" indent="-514350">
-              <a:buFont typeface="+mj-lt"/>
-              <a:buAutoNum type="arabicParenR" startAt="2"/>
-            </a:pPr>
-            <a:r>
-              <a:rPr lang="ko-KR" altLang="en-US" dirty="0" smtClean="0"/>
-              <a:t>전처리 작업</a:t>
-            </a:r>
-            <a:r>
-              <a:rPr lang="en-US" altLang="ko-KR" dirty="0" smtClean="0"/>
-              <a:t>(Augmentation) – </a:t>
-            </a:r>
-            <a:r>
-              <a:rPr lang="ko-KR" altLang="en-US" dirty="0" smtClean="0"/>
-              <a:t>한 타겟 변수 당 </a:t>
-            </a:r>
-            <a:r>
-              <a:rPr lang="en-US" altLang="ko-KR" dirty="0" smtClean="0"/>
-              <a:t>10</a:t>
-            </a:r>
-            <a:r>
-              <a:rPr lang="ko-KR" altLang="en-US" dirty="0" smtClean="0"/>
-              <a:t>장씩</a:t>
-            </a:r>
-            <a:endParaRPr lang="ko-KR" altLang="en-US" dirty="0"/>
-          </a:p>
-        </p:txBody>
-      </p:sp>
       <p:pic>
         <p:nvPicPr>
-          <p:cNvPr id="9" name="내용 개체 틀 10"/>
+          <p:cNvPr id="5" name="그림 4">
+            <a:extLst>
+              <a:ext uri="{FF2B5EF4-FFF2-40B4-BE49-F238E27FC236}">
+                <a16:creationId xmlns:a16="http://schemas.microsoft.com/office/drawing/2014/main" id="{6A08977D-CEEA-4046-BFA1-C65280FEC04E}"/>
+              </a:ext>
+            </a:extLst>
+          </p:cNvPr>
           <p:cNvPicPr>
             <a:picLocks noChangeAspect="1"/>
           </p:cNvPicPr>
@@ -7040,8 +7002,8 @@
         </p:blipFill>
         <p:spPr>
           <a:xfrm>
-            <a:off x="4501768" y="4176345"/>
-            <a:ext cx="568552" cy="2000618"/>
+            <a:off x="4206466" y="4152239"/>
+            <a:ext cx="1159153" cy="1982643"/>
           </a:xfrm>
           <a:prstGeom prst="rect">
             <a:avLst/>
@@ -7053,6 +7015,76 @@
           </a:ln>
         </p:spPr>
       </p:pic>
+      <p:sp>
+        <p:nvSpPr>
+          <p:cNvPr id="2" name="제목 1"/>
+          <p:cNvSpPr>
+            <a:spLocks noGrp="1"/>
+          </p:cNvSpPr>
+          <p:nvPr>
+            <p:ph type="title"/>
+          </p:nvPr>
+        </p:nvSpPr>
+        <p:spPr/>
+        <p:txBody>
+          <a:bodyPr/>
+          <a:lstStyle/>
+          <a:p>
+            <a:r>
+              <a:rPr lang="en-US" altLang="ko-KR" dirty="0"/>
+              <a:t>4. </a:t>
+            </a:r>
+            <a:r>
+              <a:rPr lang="ko-KR" altLang="en-US" dirty="0"/>
+              <a:t>진행과정</a:t>
+            </a:r>
+          </a:p>
+        </p:txBody>
+      </p:sp>
+      <p:sp>
+        <p:nvSpPr>
+          <p:cNvPr id="3" name="내용 개체 틀 2"/>
+          <p:cNvSpPr>
+            <a:spLocks noGrp="1"/>
+          </p:cNvSpPr>
+          <p:nvPr>
+            <p:ph idx="1"/>
+          </p:nvPr>
+        </p:nvSpPr>
+        <p:spPr/>
+        <p:txBody>
+          <a:bodyPr>
+            <a:normAutofit/>
+          </a:bodyPr>
+          <a:lstStyle/>
+          <a:p>
+            <a:pPr marL="514350" indent="-514350">
+              <a:buFont typeface="+mj-lt"/>
+              <a:buAutoNum type="arabicParenR" startAt="2"/>
+            </a:pPr>
+            <a:r>
+              <a:rPr lang="ko-KR" altLang="en-US" sz="2400" dirty="0"/>
+              <a:t>전처리 작업</a:t>
+            </a:r>
+            <a:r>
+              <a:rPr lang="en-US" altLang="ko-KR" sz="2400" dirty="0"/>
+              <a:t>(Augmentation) – </a:t>
+            </a:r>
+            <a:r>
+              <a:rPr lang="ko-KR" altLang="en-US" sz="2400" dirty="0"/>
+              <a:t>한 타겟 변수 당 </a:t>
+            </a:r>
+            <a:r>
+              <a:rPr lang="en-US" altLang="ko-KR" sz="2400" dirty="0"/>
+              <a:t>10</a:t>
+            </a:r>
+            <a:r>
+              <a:rPr lang="ko-KR" altLang="en-US" sz="2400" dirty="0"/>
+              <a:t>장씩</a:t>
+            </a:r>
+          </a:p>
+        </p:txBody>
+      </p:sp>
       <p:pic>
         <p:nvPicPr>
           <p:cNvPr id="10" name="그림 9"/>
@@ -7183,7 +7215,7 @@
           <a:p>
             <a:pPr algn="ctr"/>
             <a:r>
-              <a:rPr lang="en-US" altLang="ko-KR" dirty="0" smtClean="0">
+              <a:rPr lang="en-US" altLang="ko-KR" dirty="0">
                 <a:solidFill>
                   <a:srgbClr val="FF0000"/>
                 </a:solidFill>
@@ -7241,7 +7273,7 @@
           <a:p>
             <a:pPr algn="ctr"/>
             <a:r>
-              <a:rPr lang="en-US" altLang="ko-KR" dirty="0" smtClean="0">
+              <a:rPr lang="en-US" altLang="ko-KR" dirty="0">
                 <a:solidFill>
                   <a:srgbClr val="FF0000"/>
                 </a:solidFill>
@@ -7299,7 +7331,7 @@
           <a:p>
             <a:pPr algn="ctr"/>
             <a:r>
-              <a:rPr lang="en-US" altLang="ko-KR" dirty="0" smtClean="0">
+              <a:rPr lang="en-US" altLang="ko-KR" dirty="0">
                 <a:solidFill>
                   <a:srgbClr val="FF0000"/>
                 </a:solidFill>
@@ -7409,18 +7441,13 @@
           <a:p>
             <a:pPr algn="ctr"/>
             <a:r>
-              <a:rPr lang="en-US" altLang="ko-KR" sz="2000" b="1" dirty="0" smtClean="0"/>
-              <a:t>* </a:t>
-            </a:r>
-            <a:r>
-              <a:rPr lang="en-US" altLang="ko-KR" sz="2000" b="1" dirty="0" smtClean="0"/>
-              <a:t>10</a:t>
-            </a:r>
-            <a:r>
-              <a:rPr lang="ko-KR" altLang="en-US" sz="2000" b="1" dirty="0" smtClean="0"/>
+              <a:rPr lang="en-US" altLang="ko-KR" sz="2000" b="1" dirty="0"/>
+              <a:t>* 10</a:t>
+            </a:r>
+            <a:r>
+              <a:rPr lang="ko-KR" altLang="en-US" sz="2000" b="1" dirty="0"/>
               <a:t>장</a:t>
             </a:r>
-            <a:endParaRPr lang="ko-KR" altLang="en-US" sz="2000" b="1" dirty="0"/>
           </a:p>
         </p:txBody>
       </p:sp>
@@ -7606,17 +7633,12 @@
           <a:p>
             <a:r>
               <a:rPr lang="en-US" altLang="ko-KR" dirty="0"/>
-              <a:t>4</a:t>
-            </a:r>
-            <a:r>
-              <a:rPr lang="en-US" altLang="ko-KR" dirty="0" smtClean="0"/>
-              <a:t>. </a:t>
-            </a:r>
-            <a:r>
-              <a:rPr lang="ko-KR" altLang="en-US" dirty="0" smtClean="0"/>
+              <a:t>4. </a:t>
+            </a:r>
+            <a:r>
+              <a:rPr lang="ko-KR" altLang="en-US" dirty="0"/>
               <a:t>진행과정</a:t>
             </a:r>
-            <a:endParaRPr lang="ko-KR" altLang="en-US" dirty="0"/>
           </a:p>
         </p:txBody>
       </p:sp>
@@ -7640,159 +7662,26 @@
               <a:buAutoNum type="arabicParenR" startAt="2"/>
             </a:pPr>
             <a:r>
-              <a:rPr lang="ko-KR" altLang="en-US" dirty="0" smtClean="0"/>
+              <a:rPr lang="ko-KR" altLang="en-US" sz="2400" dirty="0"/>
               <a:t>전처리 작업</a:t>
             </a:r>
             <a:r>
-              <a:rPr lang="en-US" altLang="ko-KR" dirty="0" smtClean="0"/>
+              <a:rPr lang="en-US" altLang="ko-KR" sz="2400" dirty="0"/>
               <a:t>(Augmentation) – </a:t>
             </a:r>
             <a:r>
-              <a:rPr lang="ko-KR" altLang="en-US" dirty="0" smtClean="0"/>
+              <a:rPr lang="ko-KR" altLang="en-US" sz="2400" dirty="0"/>
               <a:t>타겟 변수 설정 </a:t>
             </a:r>
             <a:r>
-              <a:rPr lang="en-US" altLang="ko-KR" dirty="0" smtClean="0"/>
+              <a:rPr lang="en-US" altLang="ko-KR" sz="2400" dirty="0"/>
               <a:t>/ </a:t>
             </a:r>
             <a:r>
-              <a:rPr lang="ko-KR" altLang="en-US" dirty="0" smtClean="0"/>
+              <a:rPr lang="ko-KR" altLang="en-US" sz="2400" dirty="0"/>
               <a:t>저장</a:t>
             </a:r>
-            <a:endParaRPr lang="en-US" altLang="ko-KR" dirty="0" smtClean="0"/>
-          </a:p>
-          <a:p>
-            <a:pPr marL="971550" lvl="1" indent="-514350">
-              <a:buFont typeface="+mj-ea"/>
-              <a:buAutoNum type="circleNumDbPlain"/>
-            </a:pPr>
-            <a:r>
-              <a:rPr lang="ko-KR" altLang="en-US" dirty="0"/>
-              <a:t>금융거래목적</a:t>
-            </a:r>
-            <a:r>
-              <a:rPr lang="en-US" altLang="ko-KR" dirty="0"/>
-              <a:t>(0,1)</a:t>
-            </a:r>
-          </a:p>
-          <a:p>
-            <a:pPr marL="457200" lvl="1" indent="0">
-              <a:buNone/>
-            </a:pPr>
-            <a:r>
-              <a:rPr lang="en-US" altLang="ko-KR" dirty="0"/>
-              <a:t>	</a:t>
-            </a:r>
-            <a:r>
-              <a:rPr lang="ko-KR" altLang="en-US" dirty="0"/>
-              <a:t>순서 구분 없는 </a:t>
-            </a:r>
-            <a:r>
-              <a:rPr lang="en-US" altLang="ko-KR" dirty="0"/>
-              <a:t>True, False</a:t>
-            </a:r>
-          </a:p>
-          <a:p>
-            <a:pPr marL="971550" lvl="1" indent="-514350">
-              <a:buFont typeface="+mj-ea"/>
-              <a:buAutoNum type="circleNumDbPlain" startAt="2"/>
-            </a:pPr>
-            <a:r>
-              <a:rPr lang="ko-KR" altLang="en-US" dirty="0"/>
-              <a:t>고객확인사항</a:t>
-            </a:r>
-            <a:r>
-              <a:rPr lang="en-US" altLang="ko-KR" dirty="0"/>
-              <a:t>(0,1)</a:t>
-            </a:r>
-          </a:p>
-          <a:p>
-            <a:pPr marL="457200" lvl="1" indent="0">
-              <a:buNone/>
-            </a:pPr>
-            <a:r>
-              <a:rPr lang="en-US" altLang="ko-KR" dirty="0"/>
-              <a:t>	</a:t>
-            </a:r>
-            <a:r>
-              <a:rPr lang="ko-KR" altLang="en-US" dirty="0"/>
-              <a:t>순서 구분 없는 </a:t>
-            </a:r>
-            <a:r>
-              <a:rPr lang="en-US" altLang="ko-KR" dirty="0"/>
-              <a:t>True, False</a:t>
-            </a:r>
-          </a:p>
-          <a:p>
-            <a:pPr marL="971550" lvl="1" indent="-514350">
-              <a:buFont typeface="+mj-ea"/>
-              <a:buAutoNum type="circleNumDbPlain" startAt="3"/>
-            </a:pPr>
-            <a:r>
-              <a:rPr lang="ko-KR" altLang="en-US" dirty="0"/>
-              <a:t>공통</a:t>
-            </a:r>
-            <a:r>
-              <a:rPr lang="en-US" altLang="ko-KR" dirty="0"/>
-              <a:t>(0,1,2)</a:t>
-            </a:r>
-          </a:p>
-          <a:p>
-            <a:pPr marL="457200" lvl="1" indent="0">
-              <a:buNone/>
-            </a:pPr>
-            <a:r>
-              <a:rPr lang="en-US" altLang="ko-KR" dirty="0"/>
-              <a:t>	</a:t>
-            </a:r>
-            <a:r>
-              <a:rPr lang="ko-KR" altLang="en-US" dirty="0"/>
-              <a:t>순서 구분 있는 </a:t>
-            </a:r>
-            <a:r>
-              <a:rPr lang="en-US" altLang="ko-KR" dirty="0"/>
-              <a:t>True, False</a:t>
-            </a:r>
-          </a:p>
-          <a:p>
-            <a:pPr marL="457200" lvl="1" indent="0">
-              <a:buNone/>
-            </a:pPr>
-            <a:r>
-              <a:rPr lang="en-US" altLang="ko-KR" dirty="0"/>
-              <a:t>	+ Not True</a:t>
-            </a:r>
-          </a:p>
-          <a:p>
-            <a:pPr marL="971550" lvl="1" indent="-514350">
-              <a:buFont typeface="+mj-ea"/>
-              <a:buAutoNum type="circleNumDbPlain" startAt="4"/>
-            </a:pPr>
-            <a:r>
-              <a:rPr lang="ko-KR" altLang="en-US" dirty="0"/>
-              <a:t>고객 확인</a:t>
-            </a:r>
-            <a:r>
-              <a:rPr lang="en-US" altLang="ko-KR" dirty="0"/>
-              <a:t>(0,1)</a:t>
-            </a:r>
-          </a:p>
-          <a:p>
-            <a:pPr marL="457200" lvl="1" indent="0">
-              <a:buNone/>
-            </a:pPr>
-            <a:r>
-              <a:rPr lang="en-US" altLang="ko-KR" dirty="0"/>
-              <a:t>	</a:t>
-            </a:r>
-            <a:r>
-              <a:rPr lang="ko-KR" altLang="en-US" dirty="0"/>
-              <a:t>순서 구분 없는 </a:t>
-            </a:r>
-            <a:r>
-              <a:rPr lang="en-US" altLang="ko-KR" dirty="0"/>
-              <a:t>True, False</a:t>
-            </a:r>
+            <a:endParaRPr lang="en-US" altLang="ko-KR" sz="2400" dirty="0"/>
           </a:p>
           <a:p>
             <a:pPr marL="0" indent="0">
@@ -7818,7 +7707,7 @@
         </p:blipFill>
         <p:spPr>
           <a:xfrm>
-            <a:off x="6014218" y="2390549"/>
+            <a:off x="951413" y="2646376"/>
             <a:ext cx="5498783" cy="1141511"/>
           </a:xfrm>
           <a:prstGeom prst="rect">
@@ -7842,7 +7731,7 @@
         </p:blipFill>
         <p:spPr>
           <a:xfrm>
-            <a:off x="6014219" y="3666997"/>
+            <a:off x="951413" y="3986326"/>
             <a:ext cx="5512822" cy="1121252"/>
           </a:xfrm>
           <a:prstGeom prst="rect">
@@ -7866,14 +7755,379 @@
         </p:blipFill>
         <p:spPr>
           <a:xfrm>
-            <a:off x="5019675" y="4933315"/>
-            <a:ext cx="6507366" cy="381635"/>
+            <a:off x="951413" y="5306018"/>
+            <a:ext cx="5512822" cy="323308"/>
           </a:xfrm>
           <a:prstGeom prst="rect">
             <a:avLst/>
           </a:prstGeom>
         </p:spPr>
       </p:pic>
+      <p:sp>
+        <p:nvSpPr>
+          <p:cNvPr id="7" name="내용 개체 틀 2">
+            <a:extLst>
+              <a:ext uri="{FF2B5EF4-FFF2-40B4-BE49-F238E27FC236}">
+                <a16:creationId xmlns:a16="http://schemas.microsoft.com/office/drawing/2014/main" id="{88B6A48B-07AB-4575-AFE9-59A2FA28C22F}"/>
+              </a:ext>
+            </a:extLst>
+          </p:cNvPr>
+          <p:cNvSpPr txBox="1">
+            <a:spLocks/>
+          </p:cNvSpPr>
+          <p:nvPr/>
+        </p:nvSpPr>
+        <p:spPr>
+          <a:xfrm>
+            <a:off x="6316186" y="2315449"/>
+            <a:ext cx="5181600" cy="3795215"/>
+          </a:xfrm>
+          <a:prstGeom prst="rect">
+            <a:avLst/>
+          </a:prstGeom>
+        </p:spPr>
+        <p:txBody>
+          <a:bodyPr vert="horz" lIns="91440" tIns="45720" rIns="91440" bIns="45720" rtlCol="0">
+            <a:normAutofit/>
+          </a:bodyPr>
+          <a:lstStyle>
+            <a:lvl1pPr marL="228600" indent="-228600" algn="l" defTabSz="914400" rtl="0" eaLnBrk="1" latinLnBrk="1" hangingPunct="1">
+              <a:lnSpc>
+                <a:spcPct val="90000"/>
+              </a:lnSpc>
+              <a:spcBef>
+                <a:spcPts val="1000"/>
+              </a:spcBef>
+              <a:buFont typeface="Arial" panose="020B0604020202020204" pitchFamily="34" charset="0"/>
+              <a:buChar char="•"/>
+              <a:defRPr sz="2800" kern="1200">
+                <a:solidFill>
+                  <a:schemeClr val="tx1"/>
+                </a:solidFill>
+                <a:latin typeface="+mn-lt"/>
+                <a:ea typeface="+mn-ea"/>
+                <a:cs typeface="+mn-cs"/>
+              </a:defRPr>
+            </a:lvl1pPr>
+            <a:lvl2pPr marL="685800" indent="-228600" algn="l" defTabSz="914400" rtl="0" eaLnBrk="1" latinLnBrk="1" hangingPunct="1">
+              <a:lnSpc>
+                <a:spcPct val="90000"/>
+              </a:lnSpc>
+              <a:spcBef>
+                <a:spcPts val="500"/>
+              </a:spcBef>
+              <a:buFont typeface="Arial" panose="020B0604020202020204" pitchFamily="34" charset="0"/>
+              <a:buChar char="•"/>
+              <a:defRPr sz="2400" kern="1200">
+                <a:solidFill>
+                  <a:schemeClr val="tx1"/>
+                </a:solidFill>
+                <a:latin typeface="+mn-lt"/>
+                <a:ea typeface="+mn-ea"/>
+                <a:cs typeface="+mn-cs"/>
+              </a:defRPr>
+            </a:lvl2pPr>
+            <a:lvl3pPr marL="1143000" indent="-228600" algn="l" defTabSz="914400" rtl="0" eaLnBrk="1" latinLnBrk="1" hangingPunct="1">
+              <a:lnSpc>
+                <a:spcPct val="90000"/>
+              </a:lnSpc>
+              <a:spcBef>
+                <a:spcPts val="500"/>
+              </a:spcBef>
+              <a:buFont typeface="Arial" panose="020B0604020202020204" pitchFamily="34" charset="0"/>
+              <a:buChar char="•"/>
+              <a:defRPr sz="2000" kern="1200">
+                <a:solidFill>
+                  <a:schemeClr val="tx1"/>
+                </a:solidFill>
+                <a:latin typeface="+mn-lt"/>
+                <a:ea typeface="+mn-ea"/>
+                <a:cs typeface="+mn-cs"/>
+              </a:defRPr>
+            </a:lvl3pPr>
+            <a:lvl4pPr marL="1600200" indent="-228600" algn="l" defTabSz="914400" rtl="0" eaLnBrk="1" latinLnBrk="1" hangingPunct="1">
+              <a:lnSpc>
+                <a:spcPct val="90000"/>
+              </a:lnSpc>
+              <a:spcBef>
+                <a:spcPts val="500"/>
+              </a:spcBef>
+              <a:buFont typeface="Arial" panose="020B0604020202020204" pitchFamily="34" charset="0"/>
+              <a:buChar char="•"/>
+              <a:defRPr sz="1800" kern="1200">
+                <a:solidFill>
+                  <a:schemeClr val="tx1"/>
+                </a:solidFill>
+                <a:latin typeface="+mn-lt"/>
+                <a:ea typeface="+mn-ea"/>
+                <a:cs typeface="+mn-cs"/>
+              </a:defRPr>
+            </a:lvl4pPr>
+            <a:lvl5pPr marL="2057400" indent="-228600" algn="l" defTabSz="914400" rtl="0" eaLnBrk="1" latinLnBrk="1" hangingPunct="1">
+              <a:lnSpc>
+                <a:spcPct val="90000"/>
+              </a:lnSpc>
+              <a:spcBef>
+                <a:spcPts val="500"/>
+              </a:spcBef>
+              <a:buFont typeface="Arial" panose="020B0604020202020204" pitchFamily="34" charset="0"/>
+              <a:buChar char="•"/>
+              <a:defRPr sz="1800" kern="1200">
+                <a:solidFill>
+                  <a:schemeClr val="tx1"/>
+                </a:solidFill>
+                <a:latin typeface="+mn-lt"/>
+                <a:ea typeface="+mn-ea"/>
+                <a:cs typeface="+mn-cs"/>
+              </a:defRPr>
+            </a:lvl5pPr>
+            <a:lvl6pPr marL="2514600" indent="-228600" algn="l" defTabSz="914400" rtl="0" eaLnBrk="1" latinLnBrk="1" hangingPunct="1">
+              <a:lnSpc>
+                <a:spcPct val="90000"/>
+              </a:lnSpc>
+              <a:spcBef>
+                <a:spcPts val="500"/>
+              </a:spcBef>
+              <a:buFont typeface="Arial" panose="020B0604020202020204" pitchFamily="34" charset="0"/>
+              <a:buChar char="•"/>
+              <a:defRPr sz="1800" kern="1200">
+                <a:solidFill>
+                  <a:schemeClr val="tx1"/>
+                </a:solidFill>
+                <a:latin typeface="+mn-lt"/>
+                <a:ea typeface="+mn-ea"/>
+                <a:cs typeface="+mn-cs"/>
+              </a:defRPr>
+            </a:lvl6pPr>
+            <a:lvl7pPr marL="2971800" indent="-228600" algn="l" defTabSz="914400" rtl="0" eaLnBrk="1" latinLnBrk="1" hangingPunct="1">
+              <a:lnSpc>
+                <a:spcPct val="90000"/>
+              </a:lnSpc>
+              <a:spcBef>
+                <a:spcPts val="500"/>
+              </a:spcBef>
+              <a:buFont typeface="Arial" panose="020B0604020202020204" pitchFamily="34" charset="0"/>
+              <a:buChar char="•"/>
+              <a:defRPr sz="1800" kern="1200">
+                <a:solidFill>
+                  <a:schemeClr val="tx1"/>
+                </a:solidFill>
+                <a:latin typeface="+mn-lt"/>
+                <a:ea typeface="+mn-ea"/>
+                <a:cs typeface="+mn-cs"/>
+              </a:defRPr>
+            </a:lvl7pPr>
+            <a:lvl8pPr marL="3429000" indent="-228600" algn="l" defTabSz="914400" rtl="0" eaLnBrk="1" latinLnBrk="1" hangingPunct="1">
+              <a:lnSpc>
+                <a:spcPct val="90000"/>
+              </a:lnSpc>
+              <a:spcBef>
+                <a:spcPts val="500"/>
+              </a:spcBef>
+              <a:buFont typeface="Arial" panose="020B0604020202020204" pitchFamily="34" charset="0"/>
+              <a:buChar char="•"/>
+              <a:defRPr sz="1800" kern="1200">
+                <a:solidFill>
+                  <a:schemeClr val="tx1"/>
+                </a:solidFill>
+                <a:latin typeface="+mn-lt"/>
+                <a:ea typeface="+mn-ea"/>
+                <a:cs typeface="+mn-cs"/>
+              </a:defRPr>
+            </a:lvl8pPr>
+            <a:lvl9pPr marL="3886200" indent="-228600" algn="l" defTabSz="914400" rtl="0" eaLnBrk="1" latinLnBrk="1" hangingPunct="1">
+              <a:lnSpc>
+                <a:spcPct val="90000"/>
+              </a:lnSpc>
+              <a:spcBef>
+                <a:spcPts val="500"/>
+              </a:spcBef>
+              <a:buFont typeface="Arial" panose="020B0604020202020204" pitchFamily="34" charset="0"/>
+              <a:buChar char="•"/>
+              <a:defRPr sz="1800" kern="1200">
+                <a:solidFill>
+                  <a:schemeClr val="tx1"/>
+                </a:solidFill>
+                <a:latin typeface="+mn-lt"/>
+                <a:ea typeface="+mn-ea"/>
+                <a:cs typeface="+mn-cs"/>
+              </a:defRPr>
+            </a:lvl9pPr>
+          </a:lstStyle>
+          <a:p>
+            <a:pPr marL="971550" lvl="1" indent="-514350">
+              <a:lnSpc>
+                <a:spcPct val="120000"/>
+              </a:lnSpc>
+              <a:buFont typeface="+mj-ea"/>
+              <a:buAutoNum type="circleNumDbPlain"/>
+            </a:pPr>
+            <a:r>
+              <a:rPr lang="ko-KR" altLang="en-US" sz="2000" dirty="0"/>
+              <a:t>금융거래목적</a:t>
+            </a:r>
+            <a:r>
+              <a:rPr lang="en-US" altLang="ko-KR" sz="2000" dirty="0"/>
+              <a:t>(0,1)</a:t>
+            </a:r>
+          </a:p>
+          <a:p>
+            <a:pPr marL="914400" lvl="2" indent="0">
+              <a:lnSpc>
+                <a:spcPct val="120000"/>
+              </a:lnSpc>
+              <a:buFont typeface="Arial" panose="020B0604020202020204" pitchFamily="34" charset="0"/>
+              <a:buNone/>
+            </a:pPr>
+            <a:r>
+              <a:rPr lang="en-US" altLang="ko-KR" sz="1600" dirty="0"/>
+              <a:t>5</a:t>
+            </a:r>
+            <a:r>
+              <a:rPr lang="ko-KR" altLang="en-US" sz="1600" dirty="0"/>
+              <a:t>개의 선택지의 체크박스</a:t>
+            </a:r>
+            <a:r>
+              <a:rPr lang="en-US" altLang="ko-KR" sz="1600" dirty="0"/>
+              <a:t>(True, False) </a:t>
+            </a:r>
+            <a:r>
+              <a:rPr lang="ko-KR" altLang="en-US" sz="1600" dirty="0"/>
+              <a:t>중</a:t>
+            </a:r>
+            <a:r>
+              <a:rPr lang="en-US" altLang="ko-KR" sz="1600" dirty="0"/>
+              <a:t> </a:t>
+            </a:r>
+            <a:r>
+              <a:rPr lang="ko-KR" altLang="en-US" sz="1600" dirty="0"/>
+              <a:t>한 개 검출</a:t>
+            </a:r>
+            <a:endParaRPr lang="en-US" altLang="ko-KR" sz="1600" dirty="0"/>
+          </a:p>
+          <a:p>
+            <a:pPr marL="971550" lvl="1" indent="-514350">
+              <a:lnSpc>
+                <a:spcPct val="120000"/>
+              </a:lnSpc>
+              <a:buFont typeface="+mj-ea"/>
+              <a:buAutoNum type="circleNumDbPlain" startAt="2"/>
+            </a:pPr>
+            <a:r>
+              <a:rPr lang="ko-KR" altLang="en-US" sz="2000" dirty="0"/>
+              <a:t>고객확인사항</a:t>
+            </a:r>
+            <a:r>
+              <a:rPr lang="en-US" altLang="ko-KR" sz="2000" dirty="0"/>
+              <a:t>(0,1)</a:t>
+            </a:r>
+          </a:p>
+          <a:p>
+            <a:pPr marL="914400" lvl="2" indent="0">
+              <a:lnSpc>
+                <a:spcPct val="120000"/>
+              </a:lnSpc>
+              <a:buFont typeface="Arial" panose="020B0604020202020204" pitchFamily="34" charset="0"/>
+              <a:buNone/>
+            </a:pPr>
+            <a:r>
+              <a:rPr lang="en-US" altLang="ko-KR" sz="1600" dirty="0"/>
+              <a:t>10</a:t>
+            </a:r>
+            <a:r>
+              <a:rPr lang="ko-KR" altLang="en-US" sz="1600" dirty="0"/>
+              <a:t>개의 선택지의 체크박스</a:t>
+            </a:r>
+            <a:r>
+              <a:rPr lang="en-US" altLang="ko-KR" sz="1600" dirty="0"/>
+              <a:t>(True, False) </a:t>
+            </a:r>
+            <a:r>
+              <a:rPr lang="ko-KR" altLang="en-US" sz="1600" dirty="0"/>
+              <a:t>중 선택한 다수의 값 출력</a:t>
+            </a:r>
+            <a:endParaRPr lang="en-US" altLang="ko-KR" sz="1600" dirty="0"/>
+          </a:p>
+          <a:p>
+            <a:pPr marL="971550" lvl="1" indent="-514350">
+              <a:lnSpc>
+                <a:spcPct val="120000"/>
+              </a:lnSpc>
+              <a:buFont typeface="+mj-ea"/>
+              <a:buAutoNum type="circleNumDbPlain" startAt="3"/>
+            </a:pPr>
+            <a:r>
+              <a:rPr lang="ko-KR" altLang="en-US" sz="2000" dirty="0"/>
+              <a:t>공통</a:t>
+            </a:r>
+            <a:r>
+              <a:rPr lang="en-US" altLang="ko-KR" sz="2000" dirty="0"/>
+              <a:t>(0,1,2)</a:t>
+            </a:r>
+          </a:p>
+          <a:p>
+            <a:pPr marL="914400" lvl="2" indent="0">
+              <a:lnSpc>
+                <a:spcPct val="120000"/>
+              </a:lnSpc>
+              <a:buFont typeface="Arial" panose="020B0604020202020204" pitchFamily="34" charset="0"/>
+              <a:buNone/>
+            </a:pPr>
+            <a:r>
+              <a:rPr lang="ko-KR" altLang="en-US" sz="1600" dirty="0"/>
+              <a:t>체크박스</a:t>
+            </a:r>
+            <a:r>
+              <a:rPr lang="en-US" altLang="ko-KR" sz="1600" dirty="0"/>
+              <a:t>(True, False) + </a:t>
+            </a:r>
+            <a:r>
+              <a:rPr lang="ko-KR" altLang="en-US" sz="1600" dirty="0"/>
+              <a:t>체크 후 수정</a:t>
+            </a:r>
+            <a:endParaRPr lang="en-US" altLang="ko-KR" sz="1600" dirty="0"/>
+          </a:p>
+          <a:p>
+            <a:pPr marL="971550" lvl="1" indent="-514350">
+              <a:lnSpc>
+                <a:spcPct val="120000"/>
+              </a:lnSpc>
+              <a:buFont typeface="+mj-ea"/>
+              <a:buAutoNum type="circleNumDbPlain" startAt="4"/>
+            </a:pPr>
+            <a:r>
+              <a:rPr lang="ko-KR" altLang="en-US" sz="2000" dirty="0"/>
+              <a:t>고객 확인</a:t>
+            </a:r>
+            <a:r>
+              <a:rPr lang="en-US" altLang="ko-KR" sz="2000" dirty="0"/>
+              <a:t>(0,1)</a:t>
+            </a:r>
+          </a:p>
+          <a:p>
+            <a:pPr marL="914400" lvl="2" indent="0">
+              <a:lnSpc>
+                <a:spcPct val="120000"/>
+              </a:lnSpc>
+              <a:buFont typeface="Arial" panose="020B0604020202020204" pitchFamily="34" charset="0"/>
+              <a:buNone/>
+            </a:pPr>
+            <a:r>
+              <a:rPr lang="ko-KR" altLang="en-US" sz="1600" dirty="0"/>
+              <a:t>다양한 방식의 체크박스</a:t>
+            </a:r>
+            <a:r>
+              <a:rPr lang="en-US" altLang="ko-KR" sz="1600" dirty="0"/>
+              <a:t>(True, False) </a:t>
+            </a:r>
+            <a:r>
+              <a:rPr lang="ko-KR" altLang="en-US" sz="1600" dirty="0"/>
+              <a:t>검출</a:t>
+            </a:r>
+            <a:endParaRPr lang="en-US" altLang="ko-KR" sz="1400" dirty="0"/>
+          </a:p>
+        </p:txBody>
+      </p:sp>
     </p:spTree>
     <p:extLst>
       <p:ext uri="{BB962C8B-B14F-4D97-AF65-F5344CB8AC3E}">
@@ -7924,17 +8178,12 @@
           <a:p>
             <a:r>
               <a:rPr lang="en-US" altLang="ko-KR" dirty="0"/>
-              <a:t>4</a:t>
-            </a:r>
-            <a:r>
-              <a:rPr lang="en-US" altLang="ko-KR" dirty="0" smtClean="0"/>
-              <a:t>. </a:t>
-            </a:r>
-            <a:r>
-              <a:rPr lang="ko-KR" altLang="en-US" dirty="0" smtClean="0"/>
+              <a:t>4. </a:t>
+            </a:r>
+            <a:r>
+              <a:rPr lang="ko-KR" altLang="en-US" dirty="0"/>
               <a:t>진행과정</a:t>
             </a:r>
-            <a:endParaRPr lang="ko-KR" altLang="en-US" dirty="0"/>
           </a:p>
         </p:txBody>
       </p:sp>
@@ -7950,7 +8199,9 @@
         </p:nvSpPr>
         <p:spPr/>
         <p:txBody>
-          <a:bodyPr/>
+          <a:bodyPr>
+            <a:normAutofit/>
+          </a:bodyPr>
           <a:lstStyle/>
           <a:p>
             <a:pPr marL="514350" indent="-514350">
@@ -7958,10 +8209,9 @@
               <a:buAutoNum type="arabicParenR" startAt="3"/>
             </a:pPr>
             <a:r>
-              <a:rPr lang="ko-KR" altLang="en-US" dirty="0" smtClean="0"/>
+              <a:rPr lang="ko-KR" altLang="en-US" sz="2400" dirty="0"/>
               <a:t>모델 선정</a:t>
             </a:r>
-            <a:endParaRPr lang="ko-KR" altLang="en-US" dirty="0"/>
           </a:p>
         </p:txBody>
       </p:sp>
@@ -7981,7 +8231,7 @@
         </p:blipFill>
         <p:spPr>
           <a:xfrm>
-            <a:off x="5970471" y="4458652"/>
+            <a:off x="5970471" y="4206097"/>
             <a:ext cx="4543425" cy="609600"/>
           </a:xfrm>
           <a:prstGeom prst="rect">
@@ -8029,7 +8279,7 @@
         </p:blipFill>
         <p:spPr>
           <a:xfrm>
-            <a:off x="5970471" y="2895600"/>
+            <a:off x="5970471" y="2643045"/>
             <a:ext cx="5453232" cy="502602"/>
           </a:xfrm>
           <a:prstGeom prst="rect">
@@ -8045,7 +8295,7 @@
         </p:nvSpPr>
         <p:spPr>
           <a:xfrm>
-            <a:off x="7939288" y="3533139"/>
+            <a:off x="7939288" y="3280584"/>
             <a:ext cx="605790" cy="742475"/>
           </a:xfrm>
           <a:prstGeom prst="downArrow">
@@ -8074,6 +8324,69 @@
           <a:p>
             <a:pPr algn="ctr"/>
             <a:endParaRPr lang="ko-KR" altLang="en-US"/>
+          </a:p>
+        </p:txBody>
+      </p:sp>
+      <p:sp>
+        <p:nvSpPr>
+          <p:cNvPr id="4" name="TextBox 3">
+            <a:extLst>
+              <a:ext uri="{FF2B5EF4-FFF2-40B4-BE49-F238E27FC236}">
+                <a16:creationId xmlns:a16="http://schemas.microsoft.com/office/drawing/2014/main" id="{89AB04C2-987A-40CC-810A-8CD0E36E540B}"/>
+              </a:ext>
+            </a:extLst>
+          </p:cNvPr>
+          <p:cNvSpPr txBox="1"/>
+          <p:nvPr/>
+        </p:nvSpPr>
+        <p:spPr>
+          <a:xfrm>
+            <a:off x="6000206" y="5007429"/>
+            <a:ext cx="5353594" cy="923330"/>
+          </a:xfrm>
+          <a:prstGeom prst="rect">
+            <a:avLst/>
+          </a:prstGeom>
+          <a:noFill/>
+        </p:spPr>
+        <p:txBody>
+          <a:bodyPr wrap="square" rtlCol="0">
+            <a:spAutoFit/>
+          </a:bodyPr>
+          <a:lstStyle/>
+          <a:p>
+            <a:r>
+              <a:rPr lang="en-US" altLang="ko-KR" dirty="0"/>
+              <a:t>-&gt; </a:t>
+            </a:r>
+            <a:r>
+              <a:rPr lang="ko-KR" altLang="en-US" dirty="0"/>
+              <a:t>분석 환경</a:t>
+            </a:r>
+            <a:endParaRPr lang="en-US" altLang="ko-KR" dirty="0"/>
+          </a:p>
+          <a:p>
+            <a:r>
+              <a:rPr lang="en-US" altLang="ko-KR" dirty="0"/>
+              <a:t>(GPU </a:t>
+            </a:r>
+            <a:r>
+              <a:rPr lang="ko-KR" altLang="en-US" dirty="0"/>
+              <a:t>여부에 따라 </a:t>
+            </a:r>
+            <a:r>
+              <a:rPr lang="ko-KR" altLang="en-US" dirty="0" err="1"/>
+              <a:t>픽처</a:t>
+            </a:r>
+            <a:r>
+              <a:rPr lang="ko-KR" altLang="en-US" dirty="0"/>
+              <a:t> 추출이나 객체 검출방식으로 활용 가능</a:t>
+            </a:r>
+            <a:r>
+              <a:rPr lang="en-US" altLang="ko-KR" dirty="0"/>
+              <a:t>)</a:t>
+            </a:r>
+            <a:endParaRPr lang="ko-KR" altLang="en-US" dirty="0"/>
           </a:p>
         </p:txBody>
       </p:sp>
